--- a/Databasae management system/theory/course material/Lecture 3 Logical Design  Mapping (1).pptx
+++ b/Databasae management system/theory/course material/Lecture 3 Logical Design  Mapping (1).pptx
@@ -126,6 +126,32 @@
 </p:presentation>
 </file>
 
+<file path=ppt/commentAuthors.xml><?xml version="1.0" encoding="utf-8"?>
+<p:cmAuthorLst xmlns:a="http://schemas.openxmlformats.org/drawingml/2006/main" xmlns:r="http://schemas.openxmlformats.org/officeDocument/2006/relationships" xmlns:p="http://schemas.openxmlformats.org/presentationml/2006/main">
+  <p:cmAuthor id="1" name="Microsoft account" initials="Ma" lastIdx="1" clrIdx="0">
+    <p:extLst>
+      <p:ext uri="{19B8F6BF-5375-455C-9EA6-DF929625EA0E}">
+        <p15:presenceInfo xmlns:p15="http://schemas.microsoft.com/office/powerpoint/2012/main" userId="5409fa5e2ed7be95" providerId="Windows Live"/>
+      </p:ext>
+    </p:extLst>
+  </p:cmAuthor>
+</p:cmAuthorLst>
+</file>
+
+<file path=ppt/comments/comment1.xml><?xml version="1.0" encoding="utf-8"?>
+<p:cmLst xmlns:a="http://schemas.openxmlformats.org/drawingml/2006/main" xmlns:r="http://schemas.openxmlformats.org/officeDocument/2006/relationships" xmlns:p="http://schemas.openxmlformats.org/presentationml/2006/main">
+  <p:cm authorId="1" dt="2024-12-01T04:56:41.351" idx="1">
+    <p:pos x="10" y="10"/>
+    <p:text/>
+    <p:extLst>
+      <p:ext uri="{C676402C-5697-4E1C-873F-D02D1690AC5C}">
+        <p15:threadingInfo xmlns:p15="http://schemas.microsoft.com/office/powerpoint/2012/main" timeZoneBias="-300"/>
+      </p:ext>
+    </p:extLst>
+  </p:cm>
+</p:cmLst>
+</file>
+
 <file path=ppt/slideLayouts/slideLayout1.xml><?xml version="1.0" encoding="utf-8"?>
 <p:sldLayout xmlns:a="http://schemas.openxmlformats.org/drawingml/2006/main" xmlns:r="http://schemas.openxmlformats.org/officeDocument/2006/relationships" xmlns:p="http://schemas.openxmlformats.org/presentationml/2006/main" type="title" preserve="1">
   <p:cSld name="Title Slide">
@@ -148,7 +174,7 @@
           <p:cNvPr id="2" name="Title 1">
             <a:extLst>
               <a:ext uri="{FF2B5EF4-FFF2-40B4-BE49-F238E27FC236}">
-                <a16:creationId xmlns="" xmlns:a16="http://schemas.microsoft.com/office/drawing/2014/main" id="{1F1CAC58-9687-45AD-BE92-622A83637FD9}"/>
+                <a16:creationId xmlns:a16="http://schemas.microsoft.com/office/drawing/2014/main" xmlns="" id="{1F1CAC58-9687-45AD-BE92-622A83637FD9}"/>
               </a:ext>
             </a:extLst>
           </p:cNvPr>
@@ -185,7 +211,7 @@
           <p:cNvPr id="3" name="Subtitle 2">
             <a:extLst>
               <a:ext uri="{FF2B5EF4-FFF2-40B4-BE49-F238E27FC236}">
-                <a16:creationId xmlns="" xmlns:a16="http://schemas.microsoft.com/office/drawing/2014/main" id="{A7992310-7521-43A1-85F8-140908B586BF}"/>
+                <a16:creationId xmlns:a16="http://schemas.microsoft.com/office/drawing/2014/main" xmlns="" id="{A7992310-7521-43A1-85F8-140908B586BF}"/>
               </a:ext>
             </a:extLst>
           </p:cNvPr>
@@ -255,7 +281,7 @@
           <p:cNvPr id="4" name="Date Placeholder 3">
             <a:extLst>
               <a:ext uri="{FF2B5EF4-FFF2-40B4-BE49-F238E27FC236}">
-                <a16:creationId xmlns="" xmlns:a16="http://schemas.microsoft.com/office/drawing/2014/main" id="{4576C29A-248C-4B43-9497-1617C461AB5C}"/>
+                <a16:creationId xmlns:a16="http://schemas.microsoft.com/office/drawing/2014/main" xmlns="" id="{4576C29A-248C-4B43-9497-1617C461AB5C}"/>
               </a:ext>
             </a:extLst>
           </p:cNvPr>
@@ -273,7 +299,7 @@
           <a:p>
             <a:fld id="{485F8ED9-CB7D-4134-B1D0-48D46737708E}" type="datetimeFigureOut">
               <a:rPr lang="en-US" smtClean="0"/>
-              <a:t>11/13/2024</a:t>
+              <a:t>12/1/2024</a:t>
             </a:fld>
             <a:endParaRPr lang="en-US"/>
           </a:p>
@@ -284,7 +310,7 @@
           <p:cNvPr id="5" name="Footer Placeholder 4">
             <a:extLst>
               <a:ext uri="{FF2B5EF4-FFF2-40B4-BE49-F238E27FC236}">
-                <a16:creationId xmlns="" xmlns:a16="http://schemas.microsoft.com/office/drawing/2014/main" id="{B53640A2-DD09-41B1-9B2A-DC3F79B2A277}"/>
+                <a16:creationId xmlns:a16="http://schemas.microsoft.com/office/drawing/2014/main" xmlns="" id="{B53640A2-DD09-41B1-9B2A-DC3F79B2A277}"/>
               </a:ext>
             </a:extLst>
           </p:cNvPr>
@@ -309,7 +335,7 @@
           <p:cNvPr id="6" name="Slide Number Placeholder 5">
             <a:extLst>
               <a:ext uri="{FF2B5EF4-FFF2-40B4-BE49-F238E27FC236}">
-                <a16:creationId xmlns="" xmlns:a16="http://schemas.microsoft.com/office/drawing/2014/main" id="{C38E7EA3-05CD-43F0-A9CA-0CA6B921B668}"/>
+                <a16:creationId xmlns:a16="http://schemas.microsoft.com/office/drawing/2014/main" xmlns="" id="{C38E7EA3-05CD-43F0-A9CA-0CA6B921B668}"/>
               </a:ext>
             </a:extLst>
           </p:cNvPr>
@@ -368,7 +394,7 @@
           <p:cNvPr id="2" name="Title 1">
             <a:extLst>
               <a:ext uri="{FF2B5EF4-FFF2-40B4-BE49-F238E27FC236}">
-                <a16:creationId xmlns="" xmlns:a16="http://schemas.microsoft.com/office/drawing/2014/main" id="{302070AB-9696-469B-BC68-28ADD127B88B}"/>
+                <a16:creationId xmlns:a16="http://schemas.microsoft.com/office/drawing/2014/main" xmlns="" id="{302070AB-9696-469B-BC68-28ADD127B88B}"/>
               </a:ext>
             </a:extLst>
           </p:cNvPr>
@@ -396,7 +422,7 @@
           <p:cNvPr id="3" name="Vertical Text Placeholder 2">
             <a:extLst>
               <a:ext uri="{FF2B5EF4-FFF2-40B4-BE49-F238E27FC236}">
-                <a16:creationId xmlns="" xmlns:a16="http://schemas.microsoft.com/office/drawing/2014/main" id="{92BB2246-2007-41A8-B78C-40D911CF9793}"/>
+                <a16:creationId xmlns:a16="http://schemas.microsoft.com/office/drawing/2014/main" xmlns="" id="{92BB2246-2007-41A8-B78C-40D911CF9793}"/>
               </a:ext>
             </a:extLst>
           </p:cNvPr>
@@ -453,7 +479,7 @@
           <p:cNvPr id="4" name="Date Placeholder 3">
             <a:extLst>
               <a:ext uri="{FF2B5EF4-FFF2-40B4-BE49-F238E27FC236}">
-                <a16:creationId xmlns="" xmlns:a16="http://schemas.microsoft.com/office/drawing/2014/main" id="{BBD26E9A-FE46-44B5-9804-DCB02D1545D0}"/>
+                <a16:creationId xmlns:a16="http://schemas.microsoft.com/office/drawing/2014/main" xmlns="" id="{BBD26E9A-FE46-44B5-9804-DCB02D1545D0}"/>
               </a:ext>
             </a:extLst>
           </p:cNvPr>
@@ -471,7 +497,7 @@
           <a:p>
             <a:fld id="{485F8ED9-CB7D-4134-B1D0-48D46737708E}" type="datetimeFigureOut">
               <a:rPr lang="en-US" smtClean="0"/>
-              <a:t>11/13/2024</a:t>
+              <a:t>12/1/2024</a:t>
             </a:fld>
             <a:endParaRPr lang="en-US"/>
           </a:p>
@@ -482,7 +508,7 @@
           <p:cNvPr id="5" name="Footer Placeholder 4">
             <a:extLst>
               <a:ext uri="{FF2B5EF4-FFF2-40B4-BE49-F238E27FC236}">
-                <a16:creationId xmlns="" xmlns:a16="http://schemas.microsoft.com/office/drawing/2014/main" id="{D7C4C1B8-5F18-44DC-B2BF-18DECFFC2DCB}"/>
+                <a16:creationId xmlns:a16="http://schemas.microsoft.com/office/drawing/2014/main" xmlns="" id="{D7C4C1B8-5F18-44DC-B2BF-18DECFFC2DCB}"/>
               </a:ext>
             </a:extLst>
           </p:cNvPr>
@@ -507,7 +533,7 @@
           <p:cNvPr id="6" name="Slide Number Placeholder 5">
             <a:extLst>
               <a:ext uri="{FF2B5EF4-FFF2-40B4-BE49-F238E27FC236}">
-                <a16:creationId xmlns="" xmlns:a16="http://schemas.microsoft.com/office/drawing/2014/main" id="{CAD96B18-F45C-4C69-98EA-C79CD3D71780}"/>
+                <a16:creationId xmlns:a16="http://schemas.microsoft.com/office/drawing/2014/main" xmlns="" id="{CAD96B18-F45C-4C69-98EA-C79CD3D71780}"/>
               </a:ext>
             </a:extLst>
           </p:cNvPr>
@@ -566,7 +592,7 @@
           <p:cNvPr id="2" name="Vertical Title 1">
             <a:extLst>
               <a:ext uri="{FF2B5EF4-FFF2-40B4-BE49-F238E27FC236}">
-                <a16:creationId xmlns="" xmlns:a16="http://schemas.microsoft.com/office/drawing/2014/main" id="{47AB2064-E9E2-4126-BCDC-505F2274D058}"/>
+                <a16:creationId xmlns:a16="http://schemas.microsoft.com/office/drawing/2014/main" xmlns="" id="{47AB2064-E9E2-4126-BCDC-505F2274D058}"/>
               </a:ext>
             </a:extLst>
           </p:cNvPr>
@@ -599,7 +625,7 @@
           <p:cNvPr id="3" name="Vertical Text Placeholder 2">
             <a:extLst>
               <a:ext uri="{FF2B5EF4-FFF2-40B4-BE49-F238E27FC236}">
-                <a16:creationId xmlns="" xmlns:a16="http://schemas.microsoft.com/office/drawing/2014/main" id="{D41D8510-669A-4F69-BFFF-1135EFE646B2}"/>
+                <a16:creationId xmlns:a16="http://schemas.microsoft.com/office/drawing/2014/main" xmlns="" id="{D41D8510-669A-4F69-BFFF-1135EFE646B2}"/>
               </a:ext>
             </a:extLst>
           </p:cNvPr>
@@ -661,7 +687,7 @@
           <p:cNvPr id="4" name="Date Placeholder 3">
             <a:extLst>
               <a:ext uri="{FF2B5EF4-FFF2-40B4-BE49-F238E27FC236}">
-                <a16:creationId xmlns="" xmlns:a16="http://schemas.microsoft.com/office/drawing/2014/main" id="{4B4EC7F6-3C47-4678-AA8D-E6A82825FEF4}"/>
+                <a16:creationId xmlns:a16="http://schemas.microsoft.com/office/drawing/2014/main" xmlns="" id="{4B4EC7F6-3C47-4678-AA8D-E6A82825FEF4}"/>
               </a:ext>
             </a:extLst>
           </p:cNvPr>
@@ -679,7 +705,7 @@
           <a:p>
             <a:fld id="{485F8ED9-CB7D-4134-B1D0-48D46737708E}" type="datetimeFigureOut">
               <a:rPr lang="en-US" smtClean="0"/>
-              <a:t>11/13/2024</a:t>
+              <a:t>12/1/2024</a:t>
             </a:fld>
             <a:endParaRPr lang="en-US"/>
           </a:p>
@@ -690,7 +716,7 @@
           <p:cNvPr id="5" name="Footer Placeholder 4">
             <a:extLst>
               <a:ext uri="{FF2B5EF4-FFF2-40B4-BE49-F238E27FC236}">
-                <a16:creationId xmlns="" xmlns:a16="http://schemas.microsoft.com/office/drawing/2014/main" id="{A637D6FE-92AB-4070-ABDA-52DF6610387B}"/>
+                <a16:creationId xmlns:a16="http://schemas.microsoft.com/office/drawing/2014/main" xmlns="" id="{A637D6FE-92AB-4070-ABDA-52DF6610387B}"/>
               </a:ext>
             </a:extLst>
           </p:cNvPr>
@@ -715,7 +741,7 @@
           <p:cNvPr id="6" name="Slide Number Placeholder 5">
             <a:extLst>
               <a:ext uri="{FF2B5EF4-FFF2-40B4-BE49-F238E27FC236}">
-                <a16:creationId xmlns="" xmlns:a16="http://schemas.microsoft.com/office/drawing/2014/main" id="{CD2A1356-8B4E-4DEB-9ACA-91297A1D5119}"/>
+                <a16:creationId xmlns:a16="http://schemas.microsoft.com/office/drawing/2014/main" xmlns="" id="{CD2A1356-8B4E-4DEB-9ACA-91297A1D5119}"/>
               </a:ext>
             </a:extLst>
           </p:cNvPr>
@@ -774,7 +800,7 @@
           <p:cNvPr id="2" name="Title 1">
             <a:extLst>
               <a:ext uri="{FF2B5EF4-FFF2-40B4-BE49-F238E27FC236}">
-                <a16:creationId xmlns="" xmlns:a16="http://schemas.microsoft.com/office/drawing/2014/main" id="{75AC1A8A-7FBB-4B30-9B82-C0A5F1104EB3}"/>
+                <a16:creationId xmlns:a16="http://schemas.microsoft.com/office/drawing/2014/main" xmlns="" id="{75AC1A8A-7FBB-4B30-9B82-C0A5F1104EB3}"/>
               </a:ext>
             </a:extLst>
           </p:cNvPr>
@@ -802,7 +828,7 @@
           <p:cNvPr id="3" name="Content Placeholder 2">
             <a:extLst>
               <a:ext uri="{FF2B5EF4-FFF2-40B4-BE49-F238E27FC236}">
-                <a16:creationId xmlns="" xmlns:a16="http://schemas.microsoft.com/office/drawing/2014/main" id="{F355B155-28DD-423A-A35F-514992E7487B}"/>
+                <a16:creationId xmlns:a16="http://schemas.microsoft.com/office/drawing/2014/main" xmlns="" id="{F355B155-28DD-423A-A35F-514992E7487B}"/>
               </a:ext>
             </a:extLst>
           </p:cNvPr>
@@ -859,7 +885,7 @@
           <p:cNvPr id="4" name="Date Placeholder 3">
             <a:extLst>
               <a:ext uri="{FF2B5EF4-FFF2-40B4-BE49-F238E27FC236}">
-                <a16:creationId xmlns="" xmlns:a16="http://schemas.microsoft.com/office/drawing/2014/main" id="{8E6C484B-9E00-4B19-AE4D-7CDDA0913117}"/>
+                <a16:creationId xmlns:a16="http://schemas.microsoft.com/office/drawing/2014/main" xmlns="" id="{8E6C484B-9E00-4B19-AE4D-7CDDA0913117}"/>
               </a:ext>
             </a:extLst>
           </p:cNvPr>
@@ -877,7 +903,7 @@
           <a:p>
             <a:fld id="{485F8ED9-CB7D-4134-B1D0-48D46737708E}" type="datetimeFigureOut">
               <a:rPr lang="en-US" smtClean="0"/>
-              <a:t>11/13/2024</a:t>
+              <a:t>12/1/2024</a:t>
             </a:fld>
             <a:endParaRPr lang="en-US"/>
           </a:p>
@@ -888,7 +914,7 @@
           <p:cNvPr id="5" name="Footer Placeholder 4">
             <a:extLst>
               <a:ext uri="{FF2B5EF4-FFF2-40B4-BE49-F238E27FC236}">
-                <a16:creationId xmlns="" xmlns:a16="http://schemas.microsoft.com/office/drawing/2014/main" id="{C16C10DC-720E-4218-BBB0-2304E2A623C8}"/>
+                <a16:creationId xmlns:a16="http://schemas.microsoft.com/office/drawing/2014/main" xmlns="" id="{C16C10DC-720E-4218-BBB0-2304E2A623C8}"/>
               </a:ext>
             </a:extLst>
           </p:cNvPr>
@@ -913,7 +939,7 @@
           <p:cNvPr id="6" name="Slide Number Placeholder 5">
             <a:extLst>
               <a:ext uri="{FF2B5EF4-FFF2-40B4-BE49-F238E27FC236}">
-                <a16:creationId xmlns="" xmlns:a16="http://schemas.microsoft.com/office/drawing/2014/main" id="{B48DD0C8-D858-43B9-ABF0-03D4316F418A}"/>
+                <a16:creationId xmlns:a16="http://schemas.microsoft.com/office/drawing/2014/main" xmlns="" id="{B48DD0C8-D858-43B9-ABF0-03D4316F418A}"/>
               </a:ext>
             </a:extLst>
           </p:cNvPr>
@@ -972,7 +998,7 @@
           <p:cNvPr id="2" name="Title 1">
             <a:extLst>
               <a:ext uri="{FF2B5EF4-FFF2-40B4-BE49-F238E27FC236}">
-                <a16:creationId xmlns="" xmlns:a16="http://schemas.microsoft.com/office/drawing/2014/main" id="{6E62DB2C-534A-4182-8BAF-9936819B6711}"/>
+                <a16:creationId xmlns:a16="http://schemas.microsoft.com/office/drawing/2014/main" xmlns="" id="{6E62DB2C-534A-4182-8BAF-9936819B6711}"/>
               </a:ext>
             </a:extLst>
           </p:cNvPr>
@@ -1009,7 +1035,7 @@
           <p:cNvPr id="3" name="Text Placeholder 2">
             <a:extLst>
               <a:ext uri="{FF2B5EF4-FFF2-40B4-BE49-F238E27FC236}">
-                <a16:creationId xmlns="" xmlns:a16="http://schemas.microsoft.com/office/drawing/2014/main" id="{BEF426A3-7385-48FB-9F50-62F3AC7A53DE}"/>
+                <a16:creationId xmlns:a16="http://schemas.microsoft.com/office/drawing/2014/main" xmlns="" id="{BEF426A3-7385-48FB-9F50-62F3AC7A53DE}"/>
               </a:ext>
             </a:extLst>
           </p:cNvPr>
@@ -1134,7 +1160,7 @@
           <p:cNvPr id="4" name="Date Placeholder 3">
             <a:extLst>
               <a:ext uri="{FF2B5EF4-FFF2-40B4-BE49-F238E27FC236}">
-                <a16:creationId xmlns="" xmlns:a16="http://schemas.microsoft.com/office/drawing/2014/main" id="{7BA5F2B5-CC06-41F2-9C93-782B639C129B}"/>
+                <a16:creationId xmlns:a16="http://schemas.microsoft.com/office/drawing/2014/main" xmlns="" id="{7BA5F2B5-CC06-41F2-9C93-782B639C129B}"/>
               </a:ext>
             </a:extLst>
           </p:cNvPr>
@@ -1152,7 +1178,7 @@
           <a:p>
             <a:fld id="{485F8ED9-CB7D-4134-B1D0-48D46737708E}" type="datetimeFigureOut">
               <a:rPr lang="en-US" smtClean="0"/>
-              <a:t>11/13/2024</a:t>
+              <a:t>12/1/2024</a:t>
             </a:fld>
             <a:endParaRPr lang="en-US"/>
           </a:p>
@@ -1163,7 +1189,7 @@
           <p:cNvPr id="5" name="Footer Placeholder 4">
             <a:extLst>
               <a:ext uri="{FF2B5EF4-FFF2-40B4-BE49-F238E27FC236}">
-                <a16:creationId xmlns="" xmlns:a16="http://schemas.microsoft.com/office/drawing/2014/main" id="{9ACEE807-3E74-45FA-85C7-9656A1B35AA8}"/>
+                <a16:creationId xmlns:a16="http://schemas.microsoft.com/office/drawing/2014/main" xmlns="" id="{9ACEE807-3E74-45FA-85C7-9656A1B35AA8}"/>
               </a:ext>
             </a:extLst>
           </p:cNvPr>
@@ -1188,7 +1214,7 @@
           <p:cNvPr id="6" name="Slide Number Placeholder 5">
             <a:extLst>
               <a:ext uri="{FF2B5EF4-FFF2-40B4-BE49-F238E27FC236}">
-                <a16:creationId xmlns="" xmlns:a16="http://schemas.microsoft.com/office/drawing/2014/main" id="{67CF63AE-565C-41C5-94E5-CDE46374DB79}"/>
+                <a16:creationId xmlns:a16="http://schemas.microsoft.com/office/drawing/2014/main" xmlns="" id="{67CF63AE-565C-41C5-94E5-CDE46374DB79}"/>
               </a:ext>
             </a:extLst>
           </p:cNvPr>
@@ -1247,7 +1273,7 @@
           <p:cNvPr id="2" name="Title 1">
             <a:extLst>
               <a:ext uri="{FF2B5EF4-FFF2-40B4-BE49-F238E27FC236}">
-                <a16:creationId xmlns="" xmlns:a16="http://schemas.microsoft.com/office/drawing/2014/main" id="{3C5446B8-AF3D-42DF-BC7D-3DE2CA00D395}"/>
+                <a16:creationId xmlns:a16="http://schemas.microsoft.com/office/drawing/2014/main" xmlns="" id="{3C5446B8-AF3D-42DF-BC7D-3DE2CA00D395}"/>
               </a:ext>
             </a:extLst>
           </p:cNvPr>
@@ -1275,7 +1301,7 @@
           <p:cNvPr id="3" name="Content Placeholder 2">
             <a:extLst>
               <a:ext uri="{FF2B5EF4-FFF2-40B4-BE49-F238E27FC236}">
-                <a16:creationId xmlns="" xmlns:a16="http://schemas.microsoft.com/office/drawing/2014/main" id="{3DD49E5B-F8E0-4488-A3F9-C2D93A8AED02}"/>
+                <a16:creationId xmlns:a16="http://schemas.microsoft.com/office/drawing/2014/main" xmlns="" id="{3DD49E5B-F8E0-4488-A3F9-C2D93A8AED02}"/>
               </a:ext>
             </a:extLst>
           </p:cNvPr>
@@ -1337,7 +1363,7 @@
           <p:cNvPr id="4" name="Content Placeholder 3">
             <a:extLst>
               <a:ext uri="{FF2B5EF4-FFF2-40B4-BE49-F238E27FC236}">
-                <a16:creationId xmlns="" xmlns:a16="http://schemas.microsoft.com/office/drawing/2014/main" id="{7717CDF6-94BE-47F6-A21B-3238F88FBF5B}"/>
+                <a16:creationId xmlns:a16="http://schemas.microsoft.com/office/drawing/2014/main" xmlns="" id="{7717CDF6-94BE-47F6-A21B-3238F88FBF5B}"/>
               </a:ext>
             </a:extLst>
           </p:cNvPr>
@@ -1399,7 +1425,7 @@
           <p:cNvPr id="5" name="Date Placeholder 4">
             <a:extLst>
               <a:ext uri="{FF2B5EF4-FFF2-40B4-BE49-F238E27FC236}">
-                <a16:creationId xmlns="" xmlns:a16="http://schemas.microsoft.com/office/drawing/2014/main" id="{88F137DE-9108-4BF4-9002-60039FEFB7CC}"/>
+                <a16:creationId xmlns:a16="http://schemas.microsoft.com/office/drawing/2014/main" xmlns="" id="{88F137DE-9108-4BF4-9002-60039FEFB7CC}"/>
               </a:ext>
             </a:extLst>
           </p:cNvPr>
@@ -1417,7 +1443,7 @@
           <a:p>
             <a:fld id="{485F8ED9-CB7D-4134-B1D0-48D46737708E}" type="datetimeFigureOut">
               <a:rPr lang="en-US" smtClean="0"/>
-              <a:t>11/13/2024</a:t>
+              <a:t>12/1/2024</a:t>
             </a:fld>
             <a:endParaRPr lang="en-US"/>
           </a:p>
@@ -1428,7 +1454,7 @@
           <p:cNvPr id="6" name="Footer Placeholder 5">
             <a:extLst>
               <a:ext uri="{FF2B5EF4-FFF2-40B4-BE49-F238E27FC236}">
-                <a16:creationId xmlns="" xmlns:a16="http://schemas.microsoft.com/office/drawing/2014/main" id="{47E38AE8-21AD-443B-82F4-A5B4F9C98F14}"/>
+                <a16:creationId xmlns:a16="http://schemas.microsoft.com/office/drawing/2014/main" xmlns="" id="{47E38AE8-21AD-443B-82F4-A5B4F9C98F14}"/>
               </a:ext>
             </a:extLst>
           </p:cNvPr>
@@ -1453,7 +1479,7 @@
           <p:cNvPr id="7" name="Slide Number Placeholder 6">
             <a:extLst>
               <a:ext uri="{FF2B5EF4-FFF2-40B4-BE49-F238E27FC236}">
-                <a16:creationId xmlns="" xmlns:a16="http://schemas.microsoft.com/office/drawing/2014/main" id="{9BB3B02D-9C1E-452E-BD68-A7F3CDA52952}"/>
+                <a16:creationId xmlns:a16="http://schemas.microsoft.com/office/drawing/2014/main" xmlns="" id="{9BB3B02D-9C1E-452E-BD68-A7F3CDA52952}"/>
               </a:ext>
             </a:extLst>
           </p:cNvPr>
@@ -1512,7 +1538,7 @@
           <p:cNvPr id="2" name="Title 1">
             <a:extLst>
               <a:ext uri="{FF2B5EF4-FFF2-40B4-BE49-F238E27FC236}">
-                <a16:creationId xmlns="" xmlns:a16="http://schemas.microsoft.com/office/drawing/2014/main" id="{7D33B436-7D71-4406-9DE9-F4B9275A89AF}"/>
+                <a16:creationId xmlns:a16="http://schemas.microsoft.com/office/drawing/2014/main" xmlns="" id="{7D33B436-7D71-4406-9DE9-F4B9275A89AF}"/>
               </a:ext>
             </a:extLst>
           </p:cNvPr>
@@ -1545,7 +1571,7 @@
           <p:cNvPr id="3" name="Text Placeholder 2">
             <a:extLst>
               <a:ext uri="{FF2B5EF4-FFF2-40B4-BE49-F238E27FC236}">
-                <a16:creationId xmlns="" xmlns:a16="http://schemas.microsoft.com/office/drawing/2014/main" id="{F1CEC733-810F-4ADD-913C-EB30E18490E5}"/>
+                <a16:creationId xmlns:a16="http://schemas.microsoft.com/office/drawing/2014/main" xmlns="" id="{F1CEC733-810F-4ADD-913C-EB30E18490E5}"/>
               </a:ext>
             </a:extLst>
           </p:cNvPr>
@@ -1616,7 +1642,7 @@
           <p:cNvPr id="4" name="Content Placeholder 3">
             <a:extLst>
               <a:ext uri="{FF2B5EF4-FFF2-40B4-BE49-F238E27FC236}">
-                <a16:creationId xmlns="" xmlns:a16="http://schemas.microsoft.com/office/drawing/2014/main" id="{1725BC84-2F45-4874-B4C6-A103C94664FE}"/>
+                <a16:creationId xmlns:a16="http://schemas.microsoft.com/office/drawing/2014/main" xmlns="" id="{1725BC84-2F45-4874-B4C6-A103C94664FE}"/>
               </a:ext>
             </a:extLst>
           </p:cNvPr>
@@ -1678,7 +1704,7 @@
           <p:cNvPr id="5" name="Text Placeholder 4">
             <a:extLst>
               <a:ext uri="{FF2B5EF4-FFF2-40B4-BE49-F238E27FC236}">
-                <a16:creationId xmlns="" xmlns:a16="http://schemas.microsoft.com/office/drawing/2014/main" id="{DE79F75E-01EA-466D-AE7A-6A9E96BCA568}"/>
+                <a16:creationId xmlns:a16="http://schemas.microsoft.com/office/drawing/2014/main" xmlns="" id="{DE79F75E-01EA-466D-AE7A-6A9E96BCA568}"/>
               </a:ext>
             </a:extLst>
           </p:cNvPr>
@@ -1749,7 +1775,7 @@
           <p:cNvPr id="6" name="Content Placeholder 5">
             <a:extLst>
               <a:ext uri="{FF2B5EF4-FFF2-40B4-BE49-F238E27FC236}">
-                <a16:creationId xmlns="" xmlns:a16="http://schemas.microsoft.com/office/drawing/2014/main" id="{4B819276-CEDA-4E9A-9B9C-3F28617F8D9C}"/>
+                <a16:creationId xmlns:a16="http://schemas.microsoft.com/office/drawing/2014/main" xmlns="" id="{4B819276-CEDA-4E9A-9B9C-3F28617F8D9C}"/>
               </a:ext>
             </a:extLst>
           </p:cNvPr>
@@ -1811,7 +1837,7 @@
           <p:cNvPr id="7" name="Date Placeholder 6">
             <a:extLst>
               <a:ext uri="{FF2B5EF4-FFF2-40B4-BE49-F238E27FC236}">
-                <a16:creationId xmlns="" xmlns:a16="http://schemas.microsoft.com/office/drawing/2014/main" id="{A4CE621B-DA3C-4C5A-A5C3-956B55076074}"/>
+                <a16:creationId xmlns:a16="http://schemas.microsoft.com/office/drawing/2014/main" xmlns="" id="{A4CE621B-DA3C-4C5A-A5C3-956B55076074}"/>
               </a:ext>
             </a:extLst>
           </p:cNvPr>
@@ -1829,7 +1855,7 @@
           <a:p>
             <a:fld id="{485F8ED9-CB7D-4134-B1D0-48D46737708E}" type="datetimeFigureOut">
               <a:rPr lang="en-US" smtClean="0"/>
-              <a:t>11/13/2024</a:t>
+              <a:t>12/1/2024</a:t>
             </a:fld>
             <a:endParaRPr lang="en-US"/>
           </a:p>
@@ -1840,7 +1866,7 @@
           <p:cNvPr id="8" name="Footer Placeholder 7">
             <a:extLst>
               <a:ext uri="{FF2B5EF4-FFF2-40B4-BE49-F238E27FC236}">
-                <a16:creationId xmlns="" xmlns:a16="http://schemas.microsoft.com/office/drawing/2014/main" id="{FBE011C3-D58E-4C99-A603-5B8AAE4F1970}"/>
+                <a16:creationId xmlns:a16="http://schemas.microsoft.com/office/drawing/2014/main" xmlns="" id="{FBE011C3-D58E-4C99-A603-5B8AAE4F1970}"/>
               </a:ext>
             </a:extLst>
           </p:cNvPr>
@@ -1865,7 +1891,7 @@
           <p:cNvPr id="9" name="Slide Number Placeholder 8">
             <a:extLst>
               <a:ext uri="{FF2B5EF4-FFF2-40B4-BE49-F238E27FC236}">
-                <a16:creationId xmlns="" xmlns:a16="http://schemas.microsoft.com/office/drawing/2014/main" id="{5FA74389-FC45-4DA6-93BB-2A383F95EFC4}"/>
+                <a16:creationId xmlns:a16="http://schemas.microsoft.com/office/drawing/2014/main" xmlns="" id="{5FA74389-FC45-4DA6-93BB-2A383F95EFC4}"/>
               </a:ext>
             </a:extLst>
           </p:cNvPr>
@@ -1924,7 +1950,7 @@
           <p:cNvPr id="2" name="Title 1">
             <a:extLst>
               <a:ext uri="{FF2B5EF4-FFF2-40B4-BE49-F238E27FC236}">
-                <a16:creationId xmlns="" xmlns:a16="http://schemas.microsoft.com/office/drawing/2014/main" id="{1AE635B3-CD6B-40A7-B88B-32025C656428}"/>
+                <a16:creationId xmlns:a16="http://schemas.microsoft.com/office/drawing/2014/main" xmlns="" id="{1AE635B3-CD6B-40A7-B88B-32025C656428}"/>
               </a:ext>
             </a:extLst>
           </p:cNvPr>
@@ -1952,7 +1978,7 @@
           <p:cNvPr id="3" name="Date Placeholder 2">
             <a:extLst>
               <a:ext uri="{FF2B5EF4-FFF2-40B4-BE49-F238E27FC236}">
-                <a16:creationId xmlns="" xmlns:a16="http://schemas.microsoft.com/office/drawing/2014/main" id="{7B409F2D-F8AD-4C3E-8C3D-B3F9AF0E4EF8}"/>
+                <a16:creationId xmlns:a16="http://schemas.microsoft.com/office/drawing/2014/main" xmlns="" id="{7B409F2D-F8AD-4C3E-8C3D-B3F9AF0E4EF8}"/>
               </a:ext>
             </a:extLst>
           </p:cNvPr>
@@ -1970,7 +1996,7 @@
           <a:p>
             <a:fld id="{485F8ED9-CB7D-4134-B1D0-48D46737708E}" type="datetimeFigureOut">
               <a:rPr lang="en-US" smtClean="0"/>
-              <a:t>11/13/2024</a:t>
+              <a:t>12/1/2024</a:t>
             </a:fld>
             <a:endParaRPr lang="en-US"/>
           </a:p>
@@ -1981,7 +2007,7 @@
           <p:cNvPr id="4" name="Footer Placeholder 3">
             <a:extLst>
               <a:ext uri="{FF2B5EF4-FFF2-40B4-BE49-F238E27FC236}">
-                <a16:creationId xmlns="" xmlns:a16="http://schemas.microsoft.com/office/drawing/2014/main" id="{0F262BF1-EAD8-45F5-9CA8-D3105BDEB8D1}"/>
+                <a16:creationId xmlns:a16="http://schemas.microsoft.com/office/drawing/2014/main" xmlns="" id="{0F262BF1-EAD8-45F5-9CA8-D3105BDEB8D1}"/>
               </a:ext>
             </a:extLst>
           </p:cNvPr>
@@ -2006,7 +2032,7 @@
           <p:cNvPr id="5" name="Slide Number Placeholder 4">
             <a:extLst>
               <a:ext uri="{FF2B5EF4-FFF2-40B4-BE49-F238E27FC236}">
-                <a16:creationId xmlns="" xmlns:a16="http://schemas.microsoft.com/office/drawing/2014/main" id="{62864335-19FE-43BC-AFA8-177B228FCFAA}"/>
+                <a16:creationId xmlns:a16="http://schemas.microsoft.com/office/drawing/2014/main" xmlns="" id="{62864335-19FE-43BC-AFA8-177B228FCFAA}"/>
               </a:ext>
             </a:extLst>
           </p:cNvPr>
@@ -2065,7 +2091,7 @@
           <p:cNvPr id="2" name="Date Placeholder 1">
             <a:extLst>
               <a:ext uri="{FF2B5EF4-FFF2-40B4-BE49-F238E27FC236}">
-                <a16:creationId xmlns="" xmlns:a16="http://schemas.microsoft.com/office/drawing/2014/main" id="{9AB26A17-B659-4DBF-994E-7C570A8E328B}"/>
+                <a16:creationId xmlns:a16="http://schemas.microsoft.com/office/drawing/2014/main" xmlns="" id="{9AB26A17-B659-4DBF-994E-7C570A8E328B}"/>
               </a:ext>
             </a:extLst>
           </p:cNvPr>
@@ -2083,7 +2109,7 @@
           <a:p>
             <a:fld id="{485F8ED9-CB7D-4134-B1D0-48D46737708E}" type="datetimeFigureOut">
               <a:rPr lang="en-US" smtClean="0"/>
-              <a:t>11/13/2024</a:t>
+              <a:t>12/1/2024</a:t>
             </a:fld>
             <a:endParaRPr lang="en-US"/>
           </a:p>
@@ -2094,7 +2120,7 @@
           <p:cNvPr id="3" name="Footer Placeholder 2">
             <a:extLst>
               <a:ext uri="{FF2B5EF4-FFF2-40B4-BE49-F238E27FC236}">
-                <a16:creationId xmlns="" xmlns:a16="http://schemas.microsoft.com/office/drawing/2014/main" id="{2CF673E8-3FDB-46CE-A1AF-D6F2F709312F}"/>
+                <a16:creationId xmlns:a16="http://schemas.microsoft.com/office/drawing/2014/main" xmlns="" id="{2CF673E8-3FDB-46CE-A1AF-D6F2F709312F}"/>
               </a:ext>
             </a:extLst>
           </p:cNvPr>
@@ -2119,7 +2145,7 @@
           <p:cNvPr id="4" name="Slide Number Placeholder 3">
             <a:extLst>
               <a:ext uri="{FF2B5EF4-FFF2-40B4-BE49-F238E27FC236}">
-                <a16:creationId xmlns="" xmlns:a16="http://schemas.microsoft.com/office/drawing/2014/main" id="{EA703814-7730-491E-848B-31D961ED9958}"/>
+                <a16:creationId xmlns:a16="http://schemas.microsoft.com/office/drawing/2014/main" xmlns="" id="{EA703814-7730-491E-848B-31D961ED9958}"/>
               </a:ext>
             </a:extLst>
           </p:cNvPr>
@@ -2178,7 +2204,7 @@
           <p:cNvPr id="2" name="Title 1">
             <a:extLst>
               <a:ext uri="{FF2B5EF4-FFF2-40B4-BE49-F238E27FC236}">
-                <a16:creationId xmlns="" xmlns:a16="http://schemas.microsoft.com/office/drawing/2014/main" id="{3B08702D-6E68-4F1E-A969-A6252AF7325F}"/>
+                <a16:creationId xmlns:a16="http://schemas.microsoft.com/office/drawing/2014/main" xmlns="" id="{3B08702D-6E68-4F1E-A969-A6252AF7325F}"/>
               </a:ext>
             </a:extLst>
           </p:cNvPr>
@@ -2215,7 +2241,7 @@
           <p:cNvPr id="3" name="Content Placeholder 2">
             <a:extLst>
               <a:ext uri="{FF2B5EF4-FFF2-40B4-BE49-F238E27FC236}">
-                <a16:creationId xmlns="" xmlns:a16="http://schemas.microsoft.com/office/drawing/2014/main" id="{6383870B-E7E6-4662-8FD8-50E0E73B3A71}"/>
+                <a16:creationId xmlns:a16="http://schemas.microsoft.com/office/drawing/2014/main" xmlns="" id="{6383870B-E7E6-4662-8FD8-50E0E73B3A71}"/>
               </a:ext>
             </a:extLst>
           </p:cNvPr>
@@ -2305,7 +2331,7 @@
           <p:cNvPr id="4" name="Text Placeholder 3">
             <a:extLst>
               <a:ext uri="{FF2B5EF4-FFF2-40B4-BE49-F238E27FC236}">
-                <a16:creationId xmlns="" xmlns:a16="http://schemas.microsoft.com/office/drawing/2014/main" id="{FA3AA955-CBD1-4E49-8BAE-ED811F44C61E}"/>
+                <a16:creationId xmlns:a16="http://schemas.microsoft.com/office/drawing/2014/main" xmlns="" id="{FA3AA955-CBD1-4E49-8BAE-ED811F44C61E}"/>
               </a:ext>
             </a:extLst>
           </p:cNvPr>
@@ -2376,7 +2402,7 @@
           <p:cNvPr id="5" name="Date Placeholder 4">
             <a:extLst>
               <a:ext uri="{FF2B5EF4-FFF2-40B4-BE49-F238E27FC236}">
-                <a16:creationId xmlns="" xmlns:a16="http://schemas.microsoft.com/office/drawing/2014/main" id="{26119B95-248E-48F3-AADC-F1FC15862D04}"/>
+                <a16:creationId xmlns:a16="http://schemas.microsoft.com/office/drawing/2014/main" xmlns="" id="{26119B95-248E-48F3-AADC-F1FC15862D04}"/>
               </a:ext>
             </a:extLst>
           </p:cNvPr>
@@ -2394,7 +2420,7 @@
           <a:p>
             <a:fld id="{485F8ED9-CB7D-4134-B1D0-48D46737708E}" type="datetimeFigureOut">
               <a:rPr lang="en-US" smtClean="0"/>
-              <a:t>11/13/2024</a:t>
+              <a:t>12/1/2024</a:t>
             </a:fld>
             <a:endParaRPr lang="en-US"/>
           </a:p>
@@ -2405,7 +2431,7 @@
           <p:cNvPr id="6" name="Footer Placeholder 5">
             <a:extLst>
               <a:ext uri="{FF2B5EF4-FFF2-40B4-BE49-F238E27FC236}">
-                <a16:creationId xmlns="" xmlns:a16="http://schemas.microsoft.com/office/drawing/2014/main" id="{B4E8EB79-9342-494C-9380-F2CFFA9FF19F}"/>
+                <a16:creationId xmlns:a16="http://schemas.microsoft.com/office/drawing/2014/main" xmlns="" id="{B4E8EB79-9342-494C-9380-F2CFFA9FF19F}"/>
               </a:ext>
             </a:extLst>
           </p:cNvPr>
@@ -2430,7 +2456,7 @@
           <p:cNvPr id="7" name="Slide Number Placeholder 6">
             <a:extLst>
               <a:ext uri="{FF2B5EF4-FFF2-40B4-BE49-F238E27FC236}">
-                <a16:creationId xmlns="" xmlns:a16="http://schemas.microsoft.com/office/drawing/2014/main" id="{FB45AD36-DB68-4C61-9A73-F4D15F78265E}"/>
+                <a16:creationId xmlns:a16="http://schemas.microsoft.com/office/drawing/2014/main" xmlns="" id="{FB45AD36-DB68-4C61-9A73-F4D15F78265E}"/>
               </a:ext>
             </a:extLst>
           </p:cNvPr>
@@ -2489,7 +2515,7 @@
           <p:cNvPr id="2" name="Title 1">
             <a:extLst>
               <a:ext uri="{FF2B5EF4-FFF2-40B4-BE49-F238E27FC236}">
-                <a16:creationId xmlns="" xmlns:a16="http://schemas.microsoft.com/office/drawing/2014/main" id="{C331EDB0-A44B-4A91-8F24-B626E4AB40CC}"/>
+                <a16:creationId xmlns:a16="http://schemas.microsoft.com/office/drawing/2014/main" xmlns="" id="{C331EDB0-A44B-4A91-8F24-B626E4AB40CC}"/>
               </a:ext>
             </a:extLst>
           </p:cNvPr>
@@ -2526,7 +2552,7 @@
           <p:cNvPr id="3" name="Picture Placeholder 2">
             <a:extLst>
               <a:ext uri="{FF2B5EF4-FFF2-40B4-BE49-F238E27FC236}">
-                <a16:creationId xmlns="" xmlns:a16="http://schemas.microsoft.com/office/drawing/2014/main" id="{526A4C1C-F4A0-4D13-ADFB-9ECA578080B7}"/>
+                <a16:creationId xmlns:a16="http://schemas.microsoft.com/office/drawing/2014/main" xmlns="" id="{526A4C1C-F4A0-4D13-ADFB-9ECA578080B7}"/>
               </a:ext>
             </a:extLst>
           </p:cNvPr>
@@ -2593,7 +2619,7 @@
           <p:cNvPr id="4" name="Text Placeholder 3">
             <a:extLst>
               <a:ext uri="{FF2B5EF4-FFF2-40B4-BE49-F238E27FC236}">
-                <a16:creationId xmlns="" xmlns:a16="http://schemas.microsoft.com/office/drawing/2014/main" id="{4CC8FD15-CF42-4EE7-AB00-FB2025A01FF2}"/>
+                <a16:creationId xmlns:a16="http://schemas.microsoft.com/office/drawing/2014/main" xmlns="" id="{4CC8FD15-CF42-4EE7-AB00-FB2025A01FF2}"/>
               </a:ext>
             </a:extLst>
           </p:cNvPr>
@@ -2664,7 +2690,7 @@
           <p:cNvPr id="5" name="Date Placeholder 4">
             <a:extLst>
               <a:ext uri="{FF2B5EF4-FFF2-40B4-BE49-F238E27FC236}">
-                <a16:creationId xmlns="" xmlns:a16="http://schemas.microsoft.com/office/drawing/2014/main" id="{9AB7877C-7913-4FD6-A3BB-2A1ECA147801}"/>
+                <a16:creationId xmlns:a16="http://schemas.microsoft.com/office/drawing/2014/main" xmlns="" id="{9AB7877C-7913-4FD6-A3BB-2A1ECA147801}"/>
               </a:ext>
             </a:extLst>
           </p:cNvPr>
@@ -2682,7 +2708,7 @@
           <a:p>
             <a:fld id="{485F8ED9-CB7D-4134-B1D0-48D46737708E}" type="datetimeFigureOut">
               <a:rPr lang="en-US" smtClean="0"/>
-              <a:t>11/13/2024</a:t>
+              <a:t>12/1/2024</a:t>
             </a:fld>
             <a:endParaRPr lang="en-US"/>
           </a:p>
@@ -2693,7 +2719,7 @@
           <p:cNvPr id="6" name="Footer Placeholder 5">
             <a:extLst>
               <a:ext uri="{FF2B5EF4-FFF2-40B4-BE49-F238E27FC236}">
-                <a16:creationId xmlns="" xmlns:a16="http://schemas.microsoft.com/office/drawing/2014/main" id="{27F2D4DB-799D-4691-97FF-65EF73447B43}"/>
+                <a16:creationId xmlns:a16="http://schemas.microsoft.com/office/drawing/2014/main" xmlns="" id="{27F2D4DB-799D-4691-97FF-65EF73447B43}"/>
               </a:ext>
             </a:extLst>
           </p:cNvPr>
@@ -2718,7 +2744,7 @@
           <p:cNvPr id="7" name="Slide Number Placeholder 6">
             <a:extLst>
               <a:ext uri="{FF2B5EF4-FFF2-40B4-BE49-F238E27FC236}">
-                <a16:creationId xmlns="" xmlns:a16="http://schemas.microsoft.com/office/drawing/2014/main" id="{0147F395-F574-4A93-BBEC-55AC4215F76B}"/>
+                <a16:creationId xmlns:a16="http://schemas.microsoft.com/office/drawing/2014/main" xmlns="" id="{0147F395-F574-4A93-BBEC-55AC4215F76B}"/>
               </a:ext>
             </a:extLst>
           </p:cNvPr>
@@ -2782,7 +2808,7 @@
           <p:cNvPr id="2" name="Title Placeholder 1">
             <a:extLst>
               <a:ext uri="{FF2B5EF4-FFF2-40B4-BE49-F238E27FC236}">
-                <a16:creationId xmlns="" xmlns:a16="http://schemas.microsoft.com/office/drawing/2014/main" id="{CAFC191F-5A1C-4B6A-B312-7A5E4F023D17}"/>
+                <a16:creationId xmlns:a16="http://schemas.microsoft.com/office/drawing/2014/main" xmlns="" id="{CAFC191F-5A1C-4B6A-B312-7A5E4F023D17}"/>
               </a:ext>
             </a:extLst>
           </p:cNvPr>
@@ -2820,7 +2846,7 @@
           <p:cNvPr id="3" name="Text Placeholder 2">
             <a:extLst>
               <a:ext uri="{FF2B5EF4-FFF2-40B4-BE49-F238E27FC236}">
-                <a16:creationId xmlns="" xmlns:a16="http://schemas.microsoft.com/office/drawing/2014/main" id="{DF0D67CD-5D02-4C2C-B381-6CD9FAE73E2C}"/>
+                <a16:creationId xmlns:a16="http://schemas.microsoft.com/office/drawing/2014/main" xmlns="" id="{DF0D67CD-5D02-4C2C-B381-6CD9FAE73E2C}"/>
               </a:ext>
             </a:extLst>
           </p:cNvPr>
@@ -2887,7 +2913,7 @@
           <p:cNvPr id="4" name="Date Placeholder 3">
             <a:extLst>
               <a:ext uri="{FF2B5EF4-FFF2-40B4-BE49-F238E27FC236}">
-                <a16:creationId xmlns="" xmlns:a16="http://schemas.microsoft.com/office/drawing/2014/main" id="{E0A83CBC-382C-43CB-8473-3B7506B5CF2A}"/>
+                <a16:creationId xmlns:a16="http://schemas.microsoft.com/office/drawing/2014/main" xmlns="" id="{E0A83CBC-382C-43CB-8473-3B7506B5CF2A}"/>
               </a:ext>
             </a:extLst>
           </p:cNvPr>
@@ -2923,7 +2949,7 @@
           <a:p>
             <a:fld id="{485F8ED9-CB7D-4134-B1D0-48D46737708E}" type="datetimeFigureOut">
               <a:rPr lang="en-US" smtClean="0"/>
-              <a:t>11/13/2024</a:t>
+              <a:t>12/1/2024</a:t>
             </a:fld>
             <a:endParaRPr lang="en-US"/>
           </a:p>
@@ -2934,7 +2960,7 @@
           <p:cNvPr id="5" name="Footer Placeholder 4">
             <a:extLst>
               <a:ext uri="{FF2B5EF4-FFF2-40B4-BE49-F238E27FC236}">
-                <a16:creationId xmlns="" xmlns:a16="http://schemas.microsoft.com/office/drawing/2014/main" id="{51C8FDB3-E05D-4F59-ABC2-B06E2D0C88C8}"/>
+                <a16:creationId xmlns:a16="http://schemas.microsoft.com/office/drawing/2014/main" xmlns="" id="{51C8FDB3-E05D-4F59-ABC2-B06E2D0C88C8}"/>
               </a:ext>
             </a:extLst>
           </p:cNvPr>
@@ -2977,7 +3003,7 @@
           <p:cNvPr id="6" name="Slide Number Placeholder 5">
             <a:extLst>
               <a:ext uri="{FF2B5EF4-FFF2-40B4-BE49-F238E27FC236}">
-                <a16:creationId xmlns="" xmlns:a16="http://schemas.microsoft.com/office/drawing/2014/main" id="{49D6F8E0-D7FC-404A-84C6-41B4217B2B3F}"/>
+                <a16:creationId xmlns:a16="http://schemas.microsoft.com/office/drawing/2014/main" xmlns="" id="{49D6F8E0-D7FC-404A-84C6-41B4217B2B3F}"/>
               </a:ext>
             </a:extLst>
           </p:cNvPr>
@@ -3345,7 +3371,7 @@
           <p:cNvPr id="2" name="Title 1">
             <a:extLst>
               <a:ext uri="{FF2B5EF4-FFF2-40B4-BE49-F238E27FC236}">
-                <a16:creationId xmlns="" xmlns:a16="http://schemas.microsoft.com/office/drawing/2014/main" id="{ECEF9B3A-1FDC-44DF-8F56-60272F1CE5E9}"/>
+                <a16:creationId xmlns:a16="http://schemas.microsoft.com/office/drawing/2014/main" xmlns="" id="{ECEF9B3A-1FDC-44DF-8F56-60272F1CE5E9}"/>
               </a:ext>
             </a:extLst>
           </p:cNvPr>
@@ -3377,7 +3403,7 @@
           <p:cNvPr id="3" name="Subtitle 2">
             <a:extLst>
               <a:ext uri="{FF2B5EF4-FFF2-40B4-BE49-F238E27FC236}">
-                <a16:creationId xmlns="" xmlns:a16="http://schemas.microsoft.com/office/drawing/2014/main" id="{04CBD24F-7114-49D4-A7B1-0C7133942AB8}"/>
+                <a16:creationId xmlns:a16="http://schemas.microsoft.com/office/drawing/2014/main" xmlns="" id="{04CBD24F-7114-49D4-A7B1-0C7133942AB8}"/>
               </a:ext>
             </a:extLst>
           </p:cNvPr>
@@ -3435,7 +3461,7 @@
           <p:cNvPr id="19458" name="Slide Number Placeholder 3">
             <a:extLst>
               <a:ext uri="{FF2B5EF4-FFF2-40B4-BE49-F238E27FC236}">
-                <a16:creationId xmlns="" xmlns:a16="http://schemas.microsoft.com/office/drawing/2014/main" id="{DA835C42-C7CE-4930-8032-677E3A977B1A}"/>
+                <a16:creationId xmlns:a16="http://schemas.microsoft.com/office/drawing/2014/main" xmlns="" id="{DA835C42-C7CE-4930-8032-677E3A977B1A}"/>
               </a:ext>
             </a:extLst>
           </p:cNvPr>
@@ -3636,7 +3662,7 @@
           <p:cNvPr id="19459" name="Rectangle 3">
             <a:extLst>
               <a:ext uri="{FF2B5EF4-FFF2-40B4-BE49-F238E27FC236}">
-                <a16:creationId xmlns="" xmlns:a16="http://schemas.microsoft.com/office/drawing/2014/main" id="{7EC3F02B-D547-497E-9901-90C6E7754FBD}"/>
+                <a16:creationId xmlns:a16="http://schemas.microsoft.com/office/drawing/2014/main" xmlns="" id="{7EC3F02B-D547-497E-9901-90C6E7754FBD}"/>
               </a:ext>
             </a:extLst>
           </p:cNvPr>
@@ -3678,7 +3704,7 @@
           <p:cNvPr id="19460" name="Picture 5" descr="31755_FIG0411a.gif                                             0001035BEeyore                         B91DCF3B:">
             <a:extLst>
               <a:ext uri="{FF2B5EF4-FFF2-40B4-BE49-F238E27FC236}">
-                <a16:creationId xmlns="" xmlns:a16="http://schemas.microsoft.com/office/drawing/2014/main" id="{1B2C4311-22D3-4F5B-82F8-C84CD2A005C2}"/>
+                <a16:creationId xmlns:a16="http://schemas.microsoft.com/office/drawing/2014/main" xmlns="" id="{1B2C4311-22D3-4F5B-82F8-C84CD2A005C2}"/>
               </a:ext>
             </a:extLst>
           </p:cNvPr>
@@ -3739,7 +3765,7 @@
           <p:cNvPr id="20482" name="Slide Number Placeholder 3">
             <a:extLst>
               <a:ext uri="{FF2B5EF4-FFF2-40B4-BE49-F238E27FC236}">
-                <a16:creationId xmlns="" xmlns:a16="http://schemas.microsoft.com/office/drawing/2014/main" id="{238CF148-E306-44B4-ACA2-6F1D5B7DD5E5}"/>
+                <a16:creationId xmlns:a16="http://schemas.microsoft.com/office/drawing/2014/main" xmlns="" id="{238CF148-E306-44B4-ACA2-6F1D5B7DD5E5}"/>
               </a:ext>
             </a:extLst>
           </p:cNvPr>
@@ -3940,7 +3966,7 @@
           <p:cNvPr id="20483" name="Rectangle 1026">
             <a:extLst>
               <a:ext uri="{FF2B5EF4-FFF2-40B4-BE49-F238E27FC236}">
-                <a16:creationId xmlns="" xmlns:a16="http://schemas.microsoft.com/office/drawing/2014/main" id="{B93067F3-AC32-4FCB-A119-900AE5C0BEDE}"/>
+                <a16:creationId xmlns:a16="http://schemas.microsoft.com/office/drawing/2014/main" xmlns="" id="{B93067F3-AC32-4FCB-A119-900AE5C0BEDE}"/>
               </a:ext>
             </a:extLst>
           </p:cNvPr>
@@ -3990,7 +4016,7 @@
           <p:cNvPr id="20484" name="Picture 1027" descr="31755_FIG0901.gif                                              0001035BEeyore                         B91DCF3B:">
             <a:extLst>
               <a:ext uri="{FF2B5EF4-FFF2-40B4-BE49-F238E27FC236}">
-                <a16:creationId xmlns="" xmlns:a16="http://schemas.microsoft.com/office/drawing/2014/main" id="{05E5514C-6E74-4380-B3A0-09DC094CFEAC}"/>
+                <a16:creationId xmlns:a16="http://schemas.microsoft.com/office/drawing/2014/main" xmlns="" id="{05E5514C-6E74-4380-B3A0-09DC094CFEAC}"/>
               </a:ext>
             </a:extLst>
           </p:cNvPr>
@@ -4051,7 +4077,7 @@
           <p:cNvPr id="2" name="Title 1">
             <a:extLst>
               <a:ext uri="{FF2B5EF4-FFF2-40B4-BE49-F238E27FC236}">
-                <a16:creationId xmlns="" xmlns:a16="http://schemas.microsoft.com/office/drawing/2014/main" id="{D3D6C960-51CF-463E-A833-A1F31616163D}"/>
+                <a16:creationId xmlns:a16="http://schemas.microsoft.com/office/drawing/2014/main" xmlns="" id="{D3D6C960-51CF-463E-A833-A1F31616163D}"/>
               </a:ext>
             </a:extLst>
           </p:cNvPr>
@@ -4079,7 +4105,7 @@
           <p:cNvPr id="4" name="Content Placeholder 3">
             <a:extLst>
               <a:ext uri="{FF2B5EF4-FFF2-40B4-BE49-F238E27FC236}">
-                <a16:creationId xmlns="" xmlns:a16="http://schemas.microsoft.com/office/drawing/2014/main" id="{350655AA-0A4C-4E90-934B-DD149A30FD46}"/>
+                <a16:creationId xmlns:a16="http://schemas.microsoft.com/office/drawing/2014/main" xmlns="" id="{350655AA-0A4C-4E90-934B-DD149A30FD46}"/>
               </a:ext>
             </a:extLst>
           </p:cNvPr>
@@ -4115,6 +4141,50 @@
           </a:ln>
         </p:spPr>
       </p:pic>
+      <p:sp>
+        <p:nvSpPr>
+          <p:cNvPr id="3" name="Rounded Rectangle 2"/>
+          <p:cNvSpPr/>
+          <p:nvPr/>
+        </p:nvSpPr>
+        <p:spPr>
+          <a:xfrm>
+            <a:off x="5930020" y="-135802"/>
+            <a:ext cx="3196988" cy="597529"/>
+          </a:xfrm>
+          <a:prstGeom prst="roundRect">
+            <a:avLst/>
+          </a:prstGeom>
+        </p:spPr>
+        <p:style>
+          <a:lnRef idx="2">
+            <a:schemeClr val="accent1">
+              <a:shade val="50000"/>
+            </a:schemeClr>
+          </a:lnRef>
+          <a:fillRef idx="1">
+            <a:schemeClr val="accent1"/>
+          </a:fillRef>
+          <a:effectRef idx="0">
+            <a:schemeClr val="accent1"/>
+          </a:effectRef>
+          <a:fontRef idx="minor">
+            <a:schemeClr val="lt1"/>
+          </a:fontRef>
+        </p:style>
+        <p:txBody>
+          <a:bodyPr rtlCol="0" anchor="ctr"/>
+          <a:lstStyle/>
+          <a:p>
+            <a:pPr algn="ctr"/>
+            <a:r>
+              <a:rPr lang="en-US" dirty="0" smtClean="0"/>
+              <a:t>Branches show that this is an  identifying relationship</a:t>
+            </a:r>
+            <a:endParaRPr lang="en-US" dirty="0"/>
+          </a:p>
+        </p:txBody>
+      </p:sp>
     </p:spTree>
     <p:extLst>
       <p:ext uri="{BB962C8B-B14F-4D97-AF65-F5344CB8AC3E}">
@@ -4150,7 +4220,7 @@
           <p:cNvPr id="2" name="Title 1">
             <a:extLst>
               <a:ext uri="{FF2B5EF4-FFF2-40B4-BE49-F238E27FC236}">
-                <a16:creationId xmlns="" xmlns:a16="http://schemas.microsoft.com/office/drawing/2014/main" id="{E7E4CA60-B02B-4E0C-B78F-37D528781724}"/>
+                <a16:creationId xmlns:a16="http://schemas.microsoft.com/office/drawing/2014/main" xmlns="" id="{E7E4CA60-B02B-4E0C-B78F-37D528781724}"/>
               </a:ext>
             </a:extLst>
           </p:cNvPr>
@@ -4238,7 +4308,7 @@
           <p:cNvPr id="2" name="Title 1">
             <a:extLst>
               <a:ext uri="{FF2B5EF4-FFF2-40B4-BE49-F238E27FC236}">
-                <a16:creationId xmlns="" xmlns:a16="http://schemas.microsoft.com/office/drawing/2014/main" id="{67ADEFF5-9042-4F16-8494-13F9F0A8C63F}"/>
+                <a16:creationId xmlns:a16="http://schemas.microsoft.com/office/drawing/2014/main" xmlns="" id="{67ADEFF5-9042-4F16-8494-13F9F0A8C63F}"/>
               </a:ext>
             </a:extLst>
           </p:cNvPr>
@@ -4428,7 +4498,7 @@
           <p:cNvPr id="2" name="Title 1">
             <a:extLst>
               <a:ext uri="{FF2B5EF4-FFF2-40B4-BE49-F238E27FC236}">
-                <a16:creationId xmlns="" xmlns:a16="http://schemas.microsoft.com/office/drawing/2014/main" id="{95B4E577-A50F-4552-8EDA-933F9233FD8B}"/>
+                <a16:creationId xmlns:a16="http://schemas.microsoft.com/office/drawing/2014/main" xmlns="" id="{95B4E577-A50F-4552-8EDA-933F9233FD8B}"/>
               </a:ext>
             </a:extLst>
           </p:cNvPr>
@@ -4526,7 +4596,7 @@
           <p:cNvPr id="2" name="Title 1">
             <a:extLst>
               <a:ext uri="{FF2B5EF4-FFF2-40B4-BE49-F238E27FC236}">
-                <a16:creationId xmlns="" xmlns:a16="http://schemas.microsoft.com/office/drawing/2014/main" id="{DD648179-5095-4ACB-B800-D5A626412E8A}"/>
+                <a16:creationId xmlns:a16="http://schemas.microsoft.com/office/drawing/2014/main" xmlns="" id="{DD648179-5095-4ACB-B800-D5A626412E8A}"/>
               </a:ext>
             </a:extLst>
           </p:cNvPr>
@@ -4554,7 +4624,7 @@
           <p:cNvPr id="3" name="Content Placeholder 2">
             <a:extLst>
               <a:ext uri="{FF2B5EF4-FFF2-40B4-BE49-F238E27FC236}">
-                <a16:creationId xmlns="" xmlns:a16="http://schemas.microsoft.com/office/drawing/2014/main" id="{CABDF553-8A2F-47FA-BEDA-0B3AC48EED8C}"/>
+                <a16:creationId xmlns:a16="http://schemas.microsoft.com/office/drawing/2014/main" xmlns="" id="{CABDF553-8A2F-47FA-BEDA-0B3AC48EED8C}"/>
               </a:ext>
             </a:extLst>
           </p:cNvPr>
@@ -4784,7 +4854,7 @@
           <p:cNvPr id="2" name="Title 1">
             <a:extLst>
               <a:ext uri="{FF2B5EF4-FFF2-40B4-BE49-F238E27FC236}">
-                <a16:creationId xmlns="" xmlns:a16="http://schemas.microsoft.com/office/drawing/2014/main" id="{3663BC86-6F5C-477F-A16B-C908D10BF748}"/>
+                <a16:creationId xmlns:a16="http://schemas.microsoft.com/office/drawing/2014/main" xmlns="" id="{3663BC86-6F5C-477F-A16B-C908D10BF748}"/>
               </a:ext>
             </a:extLst>
           </p:cNvPr>
@@ -4812,7 +4882,7 @@
           <p:cNvPr id="4" name="Table 4">
             <a:extLst>
               <a:ext uri="{FF2B5EF4-FFF2-40B4-BE49-F238E27FC236}">
-                <a16:creationId xmlns="" xmlns:a16="http://schemas.microsoft.com/office/drawing/2014/main" id="{583D8DDE-785F-4014-8F2A-3208B2EB13DD}"/>
+                <a16:creationId xmlns:a16="http://schemas.microsoft.com/office/drawing/2014/main" xmlns="" id="{583D8DDE-785F-4014-8F2A-3208B2EB13DD}"/>
               </a:ext>
             </a:extLst>
           </p:cNvPr>
@@ -4842,56 +4912,56 @@
                 <a:gridCol w="1314450">
                   <a:extLst>
                     <a:ext uri="{9D8B030D-6E8A-4147-A177-3AD203B41FA5}">
-                      <a16:colId xmlns="" xmlns:a16="http://schemas.microsoft.com/office/drawing/2014/main" val="1616057300"/>
+                      <a16:colId xmlns:a16="http://schemas.microsoft.com/office/drawing/2014/main" xmlns="" val="1616057300"/>
                     </a:ext>
                   </a:extLst>
                 </a:gridCol>
                 <a:gridCol w="1314450">
                   <a:extLst>
                     <a:ext uri="{9D8B030D-6E8A-4147-A177-3AD203B41FA5}">
-                      <a16:colId xmlns="" xmlns:a16="http://schemas.microsoft.com/office/drawing/2014/main" val="1042738825"/>
+                      <a16:colId xmlns:a16="http://schemas.microsoft.com/office/drawing/2014/main" xmlns="" val="1042738825"/>
                     </a:ext>
                   </a:extLst>
                 </a:gridCol>
                 <a:gridCol w="1314450">
                   <a:extLst>
                     <a:ext uri="{9D8B030D-6E8A-4147-A177-3AD203B41FA5}">
-                      <a16:colId xmlns="" xmlns:a16="http://schemas.microsoft.com/office/drawing/2014/main" val="625143435"/>
+                      <a16:colId xmlns:a16="http://schemas.microsoft.com/office/drawing/2014/main" xmlns="" val="625143435"/>
                     </a:ext>
                   </a:extLst>
                 </a:gridCol>
                 <a:gridCol w="1314450">
                   <a:extLst>
                     <a:ext uri="{9D8B030D-6E8A-4147-A177-3AD203B41FA5}">
-                      <a16:colId xmlns="" xmlns:a16="http://schemas.microsoft.com/office/drawing/2014/main" val="45310582"/>
+                      <a16:colId xmlns:a16="http://schemas.microsoft.com/office/drawing/2014/main" xmlns="" val="45310582"/>
                     </a:ext>
                   </a:extLst>
                 </a:gridCol>
                 <a:gridCol w="1314450">
                   <a:extLst>
                     <a:ext uri="{9D8B030D-6E8A-4147-A177-3AD203B41FA5}">
-                      <a16:colId xmlns="" xmlns:a16="http://schemas.microsoft.com/office/drawing/2014/main" val="3468223957"/>
+                      <a16:colId xmlns:a16="http://schemas.microsoft.com/office/drawing/2014/main" xmlns="" val="3468223957"/>
                     </a:ext>
                   </a:extLst>
                 </a:gridCol>
                 <a:gridCol w="1314450">
                   <a:extLst>
                     <a:ext uri="{9D8B030D-6E8A-4147-A177-3AD203B41FA5}">
-                      <a16:colId xmlns="" xmlns:a16="http://schemas.microsoft.com/office/drawing/2014/main" val="1118053664"/>
+                      <a16:colId xmlns:a16="http://schemas.microsoft.com/office/drawing/2014/main" xmlns="" val="1118053664"/>
                     </a:ext>
                   </a:extLst>
                 </a:gridCol>
                 <a:gridCol w="1314450">
                   <a:extLst>
                     <a:ext uri="{9D8B030D-6E8A-4147-A177-3AD203B41FA5}">
-                      <a16:colId xmlns="" xmlns:a16="http://schemas.microsoft.com/office/drawing/2014/main" val="2799167633"/>
+                      <a16:colId xmlns:a16="http://schemas.microsoft.com/office/drawing/2014/main" xmlns="" val="2799167633"/>
                     </a:ext>
                   </a:extLst>
                 </a:gridCol>
                 <a:gridCol w="1314450">
                   <a:extLst>
                     <a:ext uri="{9D8B030D-6E8A-4147-A177-3AD203B41FA5}">
-                      <a16:colId xmlns="" xmlns:a16="http://schemas.microsoft.com/office/drawing/2014/main" val="63792830"/>
+                      <a16:colId xmlns:a16="http://schemas.microsoft.com/office/drawing/2014/main" xmlns="" val="63792830"/>
                     </a:ext>
                   </a:extLst>
                 </a:gridCol>
@@ -4979,7 +5049,7 @@
                 </a:tc>
                 <a:extLst>
                   <a:ext uri="{0D108BD9-81ED-4DB2-BD59-A6C34878D82A}">
-                    <a16:rowId xmlns="" xmlns:a16="http://schemas.microsoft.com/office/drawing/2014/main" val="501632632"/>
+                    <a16:rowId xmlns:a16="http://schemas.microsoft.com/office/drawing/2014/main" xmlns="" val="501632632"/>
                   </a:ext>
                 </a:extLst>
               </a:tr>
@@ -5066,7 +5136,7 @@
                 </a:tc>
                 <a:extLst>
                   <a:ext uri="{0D108BD9-81ED-4DB2-BD59-A6C34878D82A}">
-                    <a16:rowId xmlns="" xmlns:a16="http://schemas.microsoft.com/office/drawing/2014/main" val="852554498"/>
+                    <a16:rowId xmlns:a16="http://schemas.microsoft.com/office/drawing/2014/main" xmlns="" val="852554498"/>
                   </a:ext>
                 </a:extLst>
               </a:tr>
@@ -5079,7 +5149,7 @@
           <p:cNvPr id="5" name="Table 4">
             <a:extLst>
               <a:ext uri="{FF2B5EF4-FFF2-40B4-BE49-F238E27FC236}">
-                <a16:creationId xmlns="" xmlns:a16="http://schemas.microsoft.com/office/drawing/2014/main" id="{D4D65A1E-33CB-4921-91E7-41C8E1D5E535}"/>
+                <a16:creationId xmlns:a16="http://schemas.microsoft.com/office/drawing/2014/main" xmlns="" id="{D4D65A1E-33CB-4921-91E7-41C8E1D5E535}"/>
               </a:ext>
             </a:extLst>
           </p:cNvPr>
@@ -5108,56 +5178,56 @@
                 <a:gridCol w="1314450">
                   <a:extLst>
                     <a:ext uri="{9D8B030D-6E8A-4147-A177-3AD203B41FA5}">
-                      <a16:colId xmlns="" xmlns:a16="http://schemas.microsoft.com/office/drawing/2014/main" val="1616057300"/>
+                      <a16:colId xmlns:a16="http://schemas.microsoft.com/office/drawing/2014/main" xmlns="" val="1616057300"/>
                     </a:ext>
                   </a:extLst>
                 </a:gridCol>
                 <a:gridCol w="1314450">
                   <a:extLst>
                     <a:ext uri="{9D8B030D-6E8A-4147-A177-3AD203B41FA5}">
-                      <a16:colId xmlns="" xmlns:a16="http://schemas.microsoft.com/office/drawing/2014/main" val="1042738825"/>
+                      <a16:colId xmlns:a16="http://schemas.microsoft.com/office/drawing/2014/main" xmlns="" val="1042738825"/>
                     </a:ext>
                   </a:extLst>
                 </a:gridCol>
                 <a:gridCol w="1314450">
                   <a:extLst>
                     <a:ext uri="{9D8B030D-6E8A-4147-A177-3AD203B41FA5}">
-                      <a16:colId xmlns="" xmlns:a16="http://schemas.microsoft.com/office/drawing/2014/main" val="625143435"/>
+                      <a16:colId xmlns:a16="http://schemas.microsoft.com/office/drawing/2014/main" xmlns="" val="625143435"/>
                     </a:ext>
                   </a:extLst>
                 </a:gridCol>
                 <a:gridCol w="1314450">
                   <a:extLst>
                     <a:ext uri="{9D8B030D-6E8A-4147-A177-3AD203B41FA5}">
-                      <a16:colId xmlns="" xmlns:a16="http://schemas.microsoft.com/office/drawing/2014/main" val="45310582"/>
+                      <a16:colId xmlns:a16="http://schemas.microsoft.com/office/drawing/2014/main" xmlns="" val="45310582"/>
                     </a:ext>
                   </a:extLst>
                 </a:gridCol>
                 <a:gridCol w="1314450">
                   <a:extLst>
                     <a:ext uri="{9D8B030D-6E8A-4147-A177-3AD203B41FA5}">
-                      <a16:colId xmlns="" xmlns:a16="http://schemas.microsoft.com/office/drawing/2014/main" val="3468223957"/>
+                      <a16:colId xmlns:a16="http://schemas.microsoft.com/office/drawing/2014/main" xmlns="" val="3468223957"/>
                     </a:ext>
                   </a:extLst>
                 </a:gridCol>
                 <a:gridCol w="1314450">
                   <a:extLst>
                     <a:ext uri="{9D8B030D-6E8A-4147-A177-3AD203B41FA5}">
-                      <a16:colId xmlns="" xmlns:a16="http://schemas.microsoft.com/office/drawing/2014/main" val="1118053664"/>
+                      <a16:colId xmlns:a16="http://schemas.microsoft.com/office/drawing/2014/main" xmlns="" val="1118053664"/>
                     </a:ext>
                   </a:extLst>
                 </a:gridCol>
                 <a:gridCol w="1314450">
                   <a:extLst>
                     <a:ext uri="{9D8B030D-6E8A-4147-A177-3AD203B41FA5}">
-                      <a16:colId xmlns="" xmlns:a16="http://schemas.microsoft.com/office/drawing/2014/main" val="2799167633"/>
+                      <a16:colId xmlns:a16="http://schemas.microsoft.com/office/drawing/2014/main" xmlns="" val="2799167633"/>
                     </a:ext>
                   </a:extLst>
                 </a:gridCol>
                 <a:gridCol w="1314450">
                   <a:extLst>
                     <a:ext uri="{9D8B030D-6E8A-4147-A177-3AD203B41FA5}">
-                      <a16:colId xmlns="" xmlns:a16="http://schemas.microsoft.com/office/drawing/2014/main" val="63792830"/>
+                      <a16:colId xmlns:a16="http://schemas.microsoft.com/office/drawing/2014/main" xmlns="" val="63792830"/>
                     </a:ext>
                   </a:extLst>
                 </a:gridCol>
@@ -5245,7 +5315,7 @@
                 </a:tc>
                 <a:extLst>
                   <a:ext uri="{0D108BD9-81ED-4DB2-BD59-A6C34878D82A}">
-                    <a16:rowId xmlns="" xmlns:a16="http://schemas.microsoft.com/office/drawing/2014/main" val="501632632"/>
+                    <a16:rowId xmlns:a16="http://schemas.microsoft.com/office/drawing/2014/main" xmlns="" val="501632632"/>
                   </a:ext>
                 </a:extLst>
               </a:tr>
@@ -5332,7 +5402,7 @@
                 </a:tc>
                 <a:extLst>
                   <a:ext uri="{0D108BD9-81ED-4DB2-BD59-A6C34878D82A}">
-                    <a16:rowId xmlns="" xmlns:a16="http://schemas.microsoft.com/office/drawing/2014/main" val="1224345254"/>
+                    <a16:rowId xmlns:a16="http://schemas.microsoft.com/office/drawing/2014/main" xmlns="" val="1224345254"/>
                   </a:ext>
                 </a:extLst>
               </a:tr>
@@ -5345,7 +5415,7 @@
           <p:cNvPr id="6" name="Table 4">
             <a:extLst>
               <a:ext uri="{FF2B5EF4-FFF2-40B4-BE49-F238E27FC236}">
-                <a16:creationId xmlns="" xmlns:a16="http://schemas.microsoft.com/office/drawing/2014/main" id="{A93A1930-209F-4F02-B1C0-A38A204DBFD8}"/>
+                <a16:creationId xmlns:a16="http://schemas.microsoft.com/office/drawing/2014/main" xmlns="" id="{A93A1930-209F-4F02-B1C0-A38A204DBFD8}"/>
               </a:ext>
             </a:extLst>
           </p:cNvPr>
@@ -5374,56 +5444,56 @@
                 <a:gridCol w="1314450">
                   <a:extLst>
                     <a:ext uri="{9D8B030D-6E8A-4147-A177-3AD203B41FA5}">
-                      <a16:colId xmlns="" xmlns:a16="http://schemas.microsoft.com/office/drawing/2014/main" val="1616057300"/>
+                      <a16:colId xmlns:a16="http://schemas.microsoft.com/office/drawing/2014/main" xmlns="" val="1616057300"/>
                     </a:ext>
                   </a:extLst>
                 </a:gridCol>
                 <a:gridCol w="1314450">
                   <a:extLst>
                     <a:ext uri="{9D8B030D-6E8A-4147-A177-3AD203B41FA5}">
-                      <a16:colId xmlns="" xmlns:a16="http://schemas.microsoft.com/office/drawing/2014/main" val="1042738825"/>
+                      <a16:colId xmlns:a16="http://schemas.microsoft.com/office/drawing/2014/main" xmlns="" val="1042738825"/>
                     </a:ext>
                   </a:extLst>
                 </a:gridCol>
                 <a:gridCol w="1314450">
                   <a:extLst>
                     <a:ext uri="{9D8B030D-6E8A-4147-A177-3AD203B41FA5}">
-                      <a16:colId xmlns="" xmlns:a16="http://schemas.microsoft.com/office/drawing/2014/main" val="625143435"/>
+                      <a16:colId xmlns:a16="http://schemas.microsoft.com/office/drawing/2014/main" xmlns="" val="625143435"/>
                     </a:ext>
                   </a:extLst>
                 </a:gridCol>
                 <a:gridCol w="1314450">
                   <a:extLst>
                     <a:ext uri="{9D8B030D-6E8A-4147-A177-3AD203B41FA5}">
-                      <a16:colId xmlns="" xmlns:a16="http://schemas.microsoft.com/office/drawing/2014/main" val="45310582"/>
+                      <a16:colId xmlns:a16="http://schemas.microsoft.com/office/drawing/2014/main" xmlns="" val="45310582"/>
                     </a:ext>
                   </a:extLst>
                 </a:gridCol>
                 <a:gridCol w="1314450">
                   <a:extLst>
                     <a:ext uri="{9D8B030D-6E8A-4147-A177-3AD203B41FA5}">
-                      <a16:colId xmlns="" xmlns:a16="http://schemas.microsoft.com/office/drawing/2014/main" val="3468223957"/>
+                      <a16:colId xmlns:a16="http://schemas.microsoft.com/office/drawing/2014/main" xmlns="" val="3468223957"/>
                     </a:ext>
                   </a:extLst>
                 </a:gridCol>
                 <a:gridCol w="1314450">
                   <a:extLst>
                     <a:ext uri="{9D8B030D-6E8A-4147-A177-3AD203B41FA5}">
-                      <a16:colId xmlns="" xmlns:a16="http://schemas.microsoft.com/office/drawing/2014/main" val="1118053664"/>
+                      <a16:colId xmlns:a16="http://schemas.microsoft.com/office/drawing/2014/main" xmlns="" val="1118053664"/>
                     </a:ext>
                   </a:extLst>
                 </a:gridCol>
                 <a:gridCol w="1314450">
                   <a:extLst>
                     <a:ext uri="{9D8B030D-6E8A-4147-A177-3AD203B41FA5}">
-                      <a16:colId xmlns="" xmlns:a16="http://schemas.microsoft.com/office/drawing/2014/main" val="2799167633"/>
+                      <a16:colId xmlns:a16="http://schemas.microsoft.com/office/drawing/2014/main" xmlns="" val="2799167633"/>
                     </a:ext>
                   </a:extLst>
                 </a:gridCol>
                 <a:gridCol w="1314450">
                   <a:extLst>
                     <a:ext uri="{9D8B030D-6E8A-4147-A177-3AD203B41FA5}">
-                      <a16:colId xmlns="" xmlns:a16="http://schemas.microsoft.com/office/drawing/2014/main" val="63792830"/>
+                      <a16:colId xmlns:a16="http://schemas.microsoft.com/office/drawing/2014/main" xmlns="" val="63792830"/>
                     </a:ext>
                   </a:extLst>
                 </a:gridCol>
@@ -5511,7 +5581,7 @@
                 </a:tc>
                 <a:extLst>
                   <a:ext uri="{0D108BD9-81ED-4DB2-BD59-A6C34878D82A}">
-                    <a16:rowId xmlns="" xmlns:a16="http://schemas.microsoft.com/office/drawing/2014/main" val="501632632"/>
+                    <a16:rowId xmlns:a16="http://schemas.microsoft.com/office/drawing/2014/main" xmlns="" val="501632632"/>
                   </a:ext>
                 </a:extLst>
               </a:tr>
@@ -5598,7 +5668,7 @@
                 </a:tc>
                 <a:extLst>
                   <a:ext uri="{0D108BD9-81ED-4DB2-BD59-A6C34878D82A}">
-                    <a16:rowId xmlns="" xmlns:a16="http://schemas.microsoft.com/office/drawing/2014/main" val="3596519618"/>
+                    <a16:rowId xmlns:a16="http://schemas.microsoft.com/office/drawing/2014/main" xmlns="" val="3596519618"/>
                   </a:ext>
                 </a:extLst>
               </a:tr>
@@ -5641,7 +5711,7 @@
           <p:cNvPr id="2" name="Title 1">
             <a:extLst>
               <a:ext uri="{FF2B5EF4-FFF2-40B4-BE49-F238E27FC236}">
-                <a16:creationId xmlns="" xmlns:a16="http://schemas.microsoft.com/office/drawing/2014/main" id="{3663BC86-6F5C-477F-A16B-C908D10BF748}"/>
+                <a16:creationId xmlns:a16="http://schemas.microsoft.com/office/drawing/2014/main" xmlns="" id="{3663BC86-6F5C-477F-A16B-C908D10BF748}"/>
               </a:ext>
             </a:extLst>
           </p:cNvPr>
@@ -5669,7 +5739,7 @@
           <p:cNvPr id="4" name="Table 4">
             <a:extLst>
               <a:ext uri="{FF2B5EF4-FFF2-40B4-BE49-F238E27FC236}">
-                <a16:creationId xmlns="" xmlns:a16="http://schemas.microsoft.com/office/drawing/2014/main" id="{583D8DDE-785F-4014-8F2A-3208B2EB13DD}"/>
+                <a16:creationId xmlns:a16="http://schemas.microsoft.com/office/drawing/2014/main" xmlns="" id="{583D8DDE-785F-4014-8F2A-3208B2EB13DD}"/>
               </a:ext>
             </a:extLst>
           </p:cNvPr>
@@ -5699,56 +5769,56 @@
                 <a:gridCol w="1314450">
                   <a:extLst>
                     <a:ext uri="{9D8B030D-6E8A-4147-A177-3AD203B41FA5}">
-                      <a16:colId xmlns="" xmlns:a16="http://schemas.microsoft.com/office/drawing/2014/main" val="1616057300"/>
+                      <a16:colId xmlns:a16="http://schemas.microsoft.com/office/drawing/2014/main" xmlns="" val="1616057300"/>
                     </a:ext>
                   </a:extLst>
                 </a:gridCol>
                 <a:gridCol w="1314450">
                   <a:extLst>
                     <a:ext uri="{9D8B030D-6E8A-4147-A177-3AD203B41FA5}">
-                      <a16:colId xmlns="" xmlns:a16="http://schemas.microsoft.com/office/drawing/2014/main" val="1042738825"/>
+                      <a16:colId xmlns:a16="http://schemas.microsoft.com/office/drawing/2014/main" xmlns="" val="1042738825"/>
                     </a:ext>
                   </a:extLst>
                 </a:gridCol>
                 <a:gridCol w="1314450">
                   <a:extLst>
                     <a:ext uri="{9D8B030D-6E8A-4147-A177-3AD203B41FA5}">
-                      <a16:colId xmlns="" xmlns:a16="http://schemas.microsoft.com/office/drawing/2014/main" val="625143435"/>
+                      <a16:colId xmlns:a16="http://schemas.microsoft.com/office/drawing/2014/main" xmlns="" val="625143435"/>
                     </a:ext>
                   </a:extLst>
                 </a:gridCol>
                 <a:gridCol w="1314450">
                   <a:extLst>
                     <a:ext uri="{9D8B030D-6E8A-4147-A177-3AD203B41FA5}">
-                      <a16:colId xmlns="" xmlns:a16="http://schemas.microsoft.com/office/drawing/2014/main" val="45310582"/>
+                      <a16:colId xmlns:a16="http://schemas.microsoft.com/office/drawing/2014/main" xmlns="" val="45310582"/>
                     </a:ext>
                   </a:extLst>
                 </a:gridCol>
                 <a:gridCol w="1314450">
                   <a:extLst>
                     <a:ext uri="{9D8B030D-6E8A-4147-A177-3AD203B41FA5}">
-                      <a16:colId xmlns="" xmlns:a16="http://schemas.microsoft.com/office/drawing/2014/main" val="3468223957"/>
+                      <a16:colId xmlns:a16="http://schemas.microsoft.com/office/drawing/2014/main" xmlns="" val="3468223957"/>
                     </a:ext>
                   </a:extLst>
                 </a:gridCol>
                 <a:gridCol w="1314450">
                   <a:extLst>
                     <a:ext uri="{9D8B030D-6E8A-4147-A177-3AD203B41FA5}">
-                      <a16:colId xmlns="" xmlns:a16="http://schemas.microsoft.com/office/drawing/2014/main" val="1118053664"/>
+                      <a16:colId xmlns:a16="http://schemas.microsoft.com/office/drawing/2014/main" xmlns="" val="1118053664"/>
                     </a:ext>
                   </a:extLst>
                 </a:gridCol>
                 <a:gridCol w="1314450">
                   <a:extLst>
                     <a:ext uri="{9D8B030D-6E8A-4147-A177-3AD203B41FA5}">
-                      <a16:colId xmlns="" xmlns:a16="http://schemas.microsoft.com/office/drawing/2014/main" val="2799167633"/>
+                      <a16:colId xmlns:a16="http://schemas.microsoft.com/office/drawing/2014/main" xmlns="" val="2799167633"/>
                     </a:ext>
                   </a:extLst>
                 </a:gridCol>
                 <a:gridCol w="1314450">
                   <a:extLst>
                     <a:ext uri="{9D8B030D-6E8A-4147-A177-3AD203B41FA5}">
-                      <a16:colId xmlns="" xmlns:a16="http://schemas.microsoft.com/office/drawing/2014/main" val="63792830"/>
+                      <a16:colId xmlns:a16="http://schemas.microsoft.com/office/drawing/2014/main" xmlns="" val="63792830"/>
                     </a:ext>
                   </a:extLst>
                 </a:gridCol>
@@ -5836,7 +5906,7 @@
                 </a:tc>
                 <a:extLst>
                   <a:ext uri="{0D108BD9-81ED-4DB2-BD59-A6C34878D82A}">
-                    <a16:rowId xmlns="" xmlns:a16="http://schemas.microsoft.com/office/drawing/2014/main" val="501632632"/>
+                    <a16:rowId xmlns:a16="http://schemas.microsoft.com/office/drawing/2014/main" xmlns="" val="501632632"/>
                   </a:ext>
                 </a:extLst>
               </a:tr>
@@ -5923,7 +5993,7 @@
                 </a:tc>
                 <a:extLst>
                   <a:ext uri="{0D108BD9-81ED-4DB2-BD59-A6C34878D82A}">
-                    <a16:rowId xmlns="" xmlns:a16="http://schemas.microsoft.com/office/drawing/2014/main" val="852554498"/>
+                    <a16:rowId xmlns:a16="http://schemas.microsoft.com/office/drawing/2014/main" xmlns="" val="852554498"/>
                   </a:ext>
                 </a:extLst>
               </a:tr>
@@ -5966,7 +6036,7 @@
           <p:cNvPr id="2" name="Title 1">
             <a:extLst>
               <a:ext uri="{FF2B5EF4-FFF2-40B4-BE49-F238E27FC236}">
-                <a16:creationId xmlns="" xmlns:a16="http://schemas.microsoft.com/office/drawing/2014/main" id="{3663BC86-6F5C-477F-A16B-C908D10BF748}"/>
+                <a16:creationId xmlns:a16="http://schemas.microsoft.com/office/drawing/2014/main" xmlns="" id="{3663BC86-6F5C-477F-A16B-C908D10BF748}"/>
               </a:ext>
             </a:extLst>
           </p:cNvPr>
@@ -5994,7 +6064,7 @@
           <p:cNvPr id="8" name="Content Placeholder 7">
             <a:extLst>
               <a:ext uri="{FF2B5EF4-FFF2-40B4-BE49-F238E27FC236}">
-                <a16:creationId xmlns="" xmlns:a16="http://schemas.microsoft.com/office/drawing/2014/main" id="{312FF679-D1AE-4D18-82DD-F82526A04E45}"/>
+                <a16:creationId xmlns:a16="http://schemas.microsoft.com/office/drawing/2014/main" xmlns="" id="{312FF679-D1AE-4D18-82DD-F82526A04E45}"/>
               </a:ext>
             </a:extLst>
           </p:cNvPr>
@@ -6049,7 +6119,7 @@
           <p:cNvPr id="2" name="Title 1">
             <a:extLst>
               <a:ext uri="{FF2B5EF4-FFF2-40B4-BE49-F238E27FC236}">
-                <a16:creationId xmlns="" xmlns:a16="http://schemas.microsoft.com/office/drawing/2014/main" id="{8FD44F35-5B88-444A-A5C2-8FA3B8A2AA55}"/>
+                <a16:creationId xmlns:a16="http://schemas.microsoft.com/office/drawing/2014/main" xmlns="" id="{8FD44F35-5B88-444A-A5C2-8FA3B8A2AA55}"/>
               </a:ext>
             </a:extLst>
           </p:cNvPr>
@@ -6077,7 +6147,7 @@
           <p:cNvPr id="3" name="Content Placeholder 2">
             <a:extLst>
               <a:ext uri="{FF2B5EF4-FFF2-40B4-BE49-F238E27FC236}">
-                <a16:creationId xmlns="" xmlns:a16="http://schemas.microsoft.com/office/drawing/2014/main" id="{BEBD3F9C-6D2F-42EA-8162-4B6B5D70FE77}"/>
+                <a16:creationId xmlns:a16="http://schemas.microsoft.com/office/drawing/2014/main" xmlns="" id="{BEBD3F9C-6D2F-42EA-8162-4B6B5D70FE77}"/>
               </a:ext>
             </a:extLst>
           </p:cNvPr>
@@ -6132,7 +6202,7 @@
           <p:cNvPr id="2" name="Title 1">
             <a:extLst>
               <a:ext uri="{FF2B5EF4-FFF2-40B4-BE49-F238E27FC236}">
-                <a16:creationId xmlns="" xmlns:a16="http://schemas.microsoft.com/office/drawing/2014/main" id="{E999FDD3-4111-400B-876C-C686E6A23152}"/>
+                <a16:creationId xmlns:a16="http://schemas.microsoft.com/office/drawing/2014/main" xmlns="" id="{E999FDD3-4111-400B-876C-C686E6A23152}"/>
               </a:ext>
             </a:extLst>
           </p:cNvPr>
@@ -6160,7 +6230,7 @@
           <p:cNvPr id="3" name="Content Placeholder 2">
             <a:extLst>
               <a:ext uri="{FF2B5EF4-FFF2-40B4-BE49-F238E27FC236}">
-                <a16:creationId xmlns="" xmlns:a16="http://schemas.microsoft.com/office/drawing/2014/main" id="{3C7E8D57-A346-4A51-805F-AA7ECF8B1557}"/>
+                <a16:creationId xmlns:a16="http://schemas.microsoft.com/office/drawing/2014/main" xmlns="" id="{3C7E8D57-A346-4A51-805F-AA7ECF8B1557}"/>
               </a:ext>
             </a:extLst>
           </p:cNvPr>
@@ -6223,7 +6293,7 @@
           <p:cNvPr id="5" name="Title 4">
             <a:extLst>
               <a:ext uri="{FF2B5EF4-FFF2-40B4-BE49-F238E27FC236}">
-                <a16:creationId xmlns="" xmlns:a16="http://schemas.microsoft.com/office/drawing/2014/main" id="{397B12C2-0D42-4ECD-BF52-A1AEB3DC4CBB}"/>
+                <a16:creationId xmlns:a16="http://schemas.microsoft.com/office/drawing/2014/main" xmlns="" id="{397B12C2-0D42-4ECD-BF52-A1AEB3DC4CBB}"/>
               </a:ext>
             </a:extLst>
           </p:cNvPr>

--- a/Databasae management system/theory/course material/Lecture 3 Logical Design  Mapping (1).pptx
+++ b/Databasae management system/theory/course material/Lecture 3 Logical Design  Mapping (1).pptx
@@ -174,7 +174,7 @@
           <p:cNvPr id="2" name="Title 1">
             <a:extLst>
               <a:ext uri="{FF2B5EF4-FFF2-40B4-BE49-F238E27FC236}">
-                <a16:creationId xmlns:a16="http://schemas.microsoft.com/office/drawing/2014/main" xmlns="" id="{1F1CAC58-9687-45AD-BE92-622A83637FD9}"/>
+                <a16:creationId xmlns="" xmlns:a16="http://schemas.microsoft.com/office/drawing/2014/main" id="{1F1CAC58-9687-45AD-BE92-622A83637FD9}"/>
               </a:ext>
             </a:extLst>
           </p:cNvPr>
@@ -211,7 +211,7 @@
           <p:cNvPr id="3" name="Subtitle 2">
             <a:extLst>
               <a:ext uri="{FF2B5EF4-FFF2-40B4-BE49-F238E27FC236}">
-                <a16:creationId xmlns:a16="http://schemas.microsoft.com/office/drawing/2014/main" xmlns="" id="{A7992310-7521-43A1-85F8-140908B586BF}"/>
+                <a16:creationId xmlns="" xmlns:a16="http://schemas.microsoft.com/office/drawing/2014/main" id="{A7992310-7521-43A1-85F8-140908B586BF}"/>
               </a:ext>
             </a:extLst>
           </p:cNvPr>
@@ -281,7 +281,7 @@
           <p:cNvPr id="4" name="Date Placeholder 3">
             <a:extLst>
               <a:ext uri="{FF2B5EF4-FFF2-40B4-BE49-F238E27FC236}">
-                <a16:creationId xmlns:a16="http://schemas.microsoft.com/office/drawing/2014/main" xmlns="" id="{4576C29A-248C-4B43-9497-1617C461AB5C}"/>
+                <a16:creationId xmlns="" xmlns:a16="http://schemas.microsoft.com/office/drawing/2014/main" id="{4576C29A-248C-4B43-9497-1617C461AB5C}"/>
               </a:ext>
             </a:extLst>
           </p:cNvPr>
@@ -310,7 +310,7 @@
           <p:cNvPr id="5" name="Footer Placeholder 4">
             <a:extLst>
               <a:ext uri="{FF2B5EF4-FFF2-40B4-BE49-F238E27FC236}">
-                <a16:creationId xmlns:a16="http://schemas.microsoft.com/office/drawing/2014/main" xmlns="" id="{B53640A2-DD09-41B1-9B2A-DC3F79B2A277}"/>
+                <a16:creationId xmlns="" xmlns:a16="http://schemas.microsoft.com/office/drawing/2014/main" id="{B53640A2-DD09-41B1-9B2A-DC3F79B2A277}"/>
               </a:ext>
             </a:extLst>
           </p:cNvPr>
@@ -335,7 +335,7 @@
           <p:cNvPr id="6" name="Slide Number Placeholder 5">
             <a:extLst>
               <a:ext uri="{FF2B5EF4-FFF2-40B4-BE49-F238E27FC236}">
-                <a16:creationId xmlns:a16="http://schemas.microsoft.com/office/drawing/2014/main" xmlns="" id="{C38E7EA3-05CD-43F0-A9CA-0CA6B921B668}"/>
+                <a16:creationId xmlns="" xmlns:a16="http://schemas.microsoft.com/office/drawing/2014/main" id="{C38E7EA3-05CD-43F0-A9CA-0CA6B921B668}"/>
               </a:ext>
             </a:extLst>
           </p:cNvPr>
@@ -394,7 +394,7 @@
           <p:cNvPr id="2" name="Title 1">
             <a:extLst>
               <a:ext uri="{FF2B5EF4-FFF2-40B4-BE49-F238E27FC236}">
-                <a16:creationId xmlns:a16="http://schemas.microsoft.com/office/drawing/2014/main" xmlns="" id="{302070AB-9696-469B-BC68-28ADD127B88B}"/>
+                <a16:creationId xmlns="" xmlns:a16="http://schemas.microsoft.com/office/drawing/2014/main" id="{302070AB-9696-469B-BC68-28ADD127B88B}"/>
               </a:ext>
             </a:extLst>
           </p:cNvPr>
@@ -422,7 +422,7 @@
           <p:cNvPr id="3" name="Vertical Text Placeholder 2">
             <a:extLst>
               <a:ext uri="{FF2B5EF4-FFF2-40B4-BE49-F238E27FC236}">
-                <a16:creationId xmlns:a16="http://schemas.microsoft.com/office/drawing/2014/main" xmlns="" id="{92BB2246-2007-41A8-B78C-40D911CF9793}"/>
+                <a16:creationId xmlns="" xmlns:a16="http://schemas.microsoft.com/office/drawing/2014/main" id="{92BB2246-2007-41A8-B78C-40D911CF9793}"/>
               </a:ext>
             </a:extLst>
           </p:cNvPr>
@@ -479,7 +479,7 @@
           <p:cNvPr id="4" name="Date Placeholder 3">
             <a:extLst>
               <a:ext uri="{FF2B5EF4-FFF2-40B4-BE49-F238E27FC236}">
-                <a16:creationId xmlns:a16="http://schemas.microsoft.com/office/drawing/2014/main" xmlns="" id="{BBD26E9A-FE46-44B5-9804-DCB02D1545D0}"/>
+                <a16:creationId xmlns="" xmlns:a16="http://schemas.microsoft.com/office/drawing/2014/main" id="{BBD26E9A-FE46-44B5-9804-DCB02D1545D0}"/>
               </a:ext>
             </a:extLst>
           </p:cNvPr>
@@ -508,7 +508,7 @@
           <p:cNvPr id="5" name="Footer Placeholder 4">
             <a:extLst>
               <a:ext uri="{FF2B5EF4-FFF2-40B4-BE49-F238E27FC236}">
-                <a16:creationId xmlns:a16="http://schemas.microsoft.com/office/drawing/2014/main" xmlns="" id="{D7C4C1B8-5F18-44DC-B2BF-18DECFFC2DCB}"/>
+                <a16:creationId xmlns="" xmlns:a16="http://schemas.microsoft.com/office/drawing/2014/main" id="{D7C4C1B8-5F18-44DC-B2BF-18DECFFC2DCB}"/>
               </a:ext>
             </a:extLst>
           </p:cNvPr>
@@ -533,7 +533,7 @@
           <p:cNvPr id="6" name="Slide Number Placeholder 5">
             <a:extLst>
               <a:ext uri="{FF2B5EF4-FFF2-40B4-BE49-F238E27FC236}">
-                <a16:creationId xmlns:a16="http://schemas.microsoft.com/office/drawing/2014/main" xmlns="" id="{CAD96B18-F45C-4C69-98EA-C79CD3D71780}"/>
+                <a16:creationId xmlns="" xmlns:a16="http://schemas.microsoft.com/office/drawing/2014/main" id="{CAD96B18-F45C-4C69-98EA-C79CD3D71780}"/>
               </a:ext>
             </a:extLst>
           </p:cNvPr>
@@ -592,7 +592,7 @@
           <p:cNvPr id="2" name="Vertical Title 1">
             <a:extLst>
               <a:ext uri="{FF2B5EF4-FFF2-40B4-BE49-F238E27FC236}">
-                <a16:creationId xmlns:a16="http://schemas.microsoft.com/office/drawing/2014/main" xmlns="" id="{47AB2064-E9E2-4126-BCDC-505F2274D058}"/>
+                <a16:creationId xmlns="" xmlns:a16="http://schemas.microsoft.com/office/drawing/2014/main" id="{47AB2064-E9E2-4126-BCDC-505F2274D058}"/>
               </a:ext>
             </a:extLst>
           </p:cNvPr>
@@ -625,7 +625,7 @@
           <p:cNvPr id="3" name="Vertical Text Placeholder 2">
             <a:extLst>
               <a:ext uri="{FF2B5EF4-FFF2-40B4-BE49-F238E27FC236}">
-                <a16:creationId xmlns:a16="http://schemas.microsoft.com/office/drawing/2014/main" xmlns="" id="{D41D8510-669A-4F69-BFFF-1135EFE646B2}"/>
+                <a16:creationId xmlns="" xmlns:a16="http://schemas.microsoft.com/office/drawing/2014/main" id="{D41D8510-669A-4F69-BFFF-1135EFE646B2}"/>
               </a:ext>
             </a:extLst>
           </p:cNvPr>
@@ -687,7 +687,7 @@
           <p:cNvPr id="4" name="Date Placeholder 3">
             <a:extLst>
               <a:ext uri="{FF2B5EF4-FFF2-40B4-BE49-F238E27FC236}">
-                <a16:creationId xmlns:a16="http://schemas.microsoft.com/office/drawing/2014/main" xmlns="" id="{4B4EC7F6-3C47-4678-AA8D-E6A82825FEF4}"/>
+                <a16:creationId xmlns="" xmlns:a16="http://schemas.microsoft.com/office/drawing/2014/main" id="{4B4EC7F6-3C47-4678-AA8D-E6A82825FEF4}"/>
               </a:ext>
             </a:extLst>
           </p:cNvPr>
@@ -716,7 +716,7 @@
           <p:cNvPr id="5" name="Footer Placeholder 4">
             <a:extLst>
               <a:ext uri="{FF2B5EF4-FFF2-40B4-BE49-F238E27FC236}">
-                <a16:creationId xmlns:a16="http://schemas.microsoft.com/office/drawing/2014/main" xmlns="" id="{A637D6FE-92AB-4070-ABDA-52DF6610387B}"/>
+                <a16:creationId xmlns="" xmlns:a16="http://schemas.microsoft.com/office/drawing/2014/main" id="{A637D6FE-92AB-4070-ABDA-52DF6610387B}"/>
               </a:ext>
             </a:extLst>
           </p:cNvPr>
@@ -741,7 +741,7 @@
           <p:cNvPr id="6" name="Slide Number Placeholder 5">
             <a:extLst>
               <a:ext uri="{FF2B5EF4-FFF2-40B4-BE49-F238E27FC236}">
-                <a16:creationId xmlns:a16="http://schemas.microsoft.com/office/drawing/2014/main" xmlns="" id="{CD2A1356-8B4E-4DEB-9ACA-91297A1D5119}"/>
+                <a16:creationId xmlns="" xmlns:a16="http://schemas.microsoft.com/office/drawing/2014/main" id="{CD2A1356-8B4E-4DEB-9ACA-91297A1D5119}"/>
               </a:ext>
             </a:extLst>
           </p:cNvPr>
@@ -800,7 +800,7 @@
           <p:cNvPr id="2" name="Title 1">
             <a:extLst>
               <a:ext uri="{FF2B5EF4-FFF2-40B4-BE49-F238E27FC236}">
-                <a16:creationId xmlns:a16="http://schemas.microsoft.com/office/drawing/2014/main" xmlns="" id="{75AC1A8A-7FBB-4B30-9B82-C0A5F1104EB3}"/>
+                <a16:creationId xmlns="" xmlns:a16="http://schemas.microsoft.com/office/drawing/2014/main" id="{75AC1A8A-7FBB-4B30-9B82-C0A5F1104EB3}"/>
               </a:ext>
             </a:extLst>
           </p:cNvPr>
@@ -828,7 +828,7 @@
           <p:cNvPr id="3" name="Content Placeholder 2">
             <a:extLst>
               <a:ext uri="{FF2B5EF4-FFF2-40B4-BE49-F238E27FC236}">
-                <a16:creationId xmlns:a16="http://schemas.microsoft.com/office/drawing/2014/main" xmlns="" id="{F355B155-28DD-423A-A35F-514992E7487B}"/>
+                <a16:creationId xmlns="" xmlns:a16="http://schemas.microsoft.com/office/drawing/2014/main" id="{F355B155-28DD-423A-A35F-514992E7487B}"/>
               </a:ext>
             </a:extLst>
           </p:cNvPr>
@@ -885,7 +885,7 @@
           <p:cNvPr id="4" name="Date Placeholder 3">
             <a:extLst>
               <a:ext uri="{FF2B5EF4-FFF2-40B4-BE49-F238E27FC236}">
-                <a16:creationId xmlns:a16="http://schemas.microsoft.com/office/drawing/2014/main" xmlns="" id="{8E6C484B-9E00-4B19-AE4D-7CDDA0913117}"/>
+                <a16:creationId xmlns="" xmlns:a16="http://schemas.microsoft.com/office/drawing/2014/main" id="{8E6C484B-9E00-4B19-AE4D-7CDDA0913117}"/>
               </a:ext>
             </a:extLst>
           </p:cNvPr>
@@ -914,7 +914,7 @@
           <p:cNvPr id="5" name="Footer Placeholder 4">
             <a:extLst>
               <a:ext uri="{FF2B5EF4-FFF2-40B4-BE49-F238E27FC236}">
-                <a16:creationId xmlns:a16="http://schemas.microsoft.com/office/drawing/2014/main" xmlns="" id="{C16C10DC-720E-4218-BBB0-2304E2A623C8}"/>
+                <a16:creationId xmlns="" xmlns:a16="http://schemas.microsoft.com/office/drawing/2014/main" id="{C16C10DC-720E-4218-BBB0-2304E2A623C8}"/>
               </a:ext>
             </a:extLst>
           </p:cNvPr>
@@ -939,7 +939,7 @@
           <p:cNvPr id="6" name="Slide Number Placeholder 5">
             <a:extLst>
               <a:ext uri="{FF2B5EF4-FFF2-40B4-BE49-F238E27FC236}">
-                <a16:creationId xmlns:a16="http://schemas.microsoft.com/office/drawing/2014/main" xmlns="" id="{B48DD0C8-D858-43B9-ABF0-03D4316F418A}"/>
+                <a16:creationId xmlns="" xmlns:a16="http://schemas.microsoft.com/office/drawing/2014/main" id="{B48DD0C8-D858-43B9-ABF0-03D4316F418A}"/>
               </a:ext>
             </a:extLst>
           </p:cNvPr>
@@ -998,7 +998,7 @@
           <p:cNvPr id="2" name="Title 1">
             <a:extLst>
               <a:ext uri="{FF2B5EF4-FFF2-40B4-BE49-F238E27FC236}">
-                <a16:creationId xmlns:a16="http://schemas.microsoft.com/office/drawing/2014/main" xmlns="" id="{6E62DB2C-534A-4182-8BAF-9936819B6711}"/>
+                <a16:creationId xmlns="" xmlns:a16="http://schemas.microsoft.com/office/drawing/2014/main" id="{6E62DB2C-534A-4182-8BAF-9936819B6711}"/>
               </a:ext>
             </a:extLst>
           </p:cNvPr>
@@ -1035,7 +1035,7 @@
           <p:cNvPr id="3" name="Text Placeholder 2">
             <a:extLst>
               <a:ext uri="{FF2B5EF4-FFF2-40B4-BE49-F238E27FC236}">
-                <a16:creationId xmlns:a16="http://schemas.microsoft.com/office/drawing/2014/main" xmlns="" id="{BEF426A3-7385-48FB-9F50-62F3AC7A53DE}"/>
+                <a16:creationId xmlns="" xmlns:a16="http://schemas.microsoft.com/office/drawing/2014/main" id="{BEF426A3-7385-48FB-9F50-62F3AC7A53DE}"/>
               </a:ext>
             </a:extLst>
           </p:cNvPr>
@@ -1160,7 +1160,7 @@
           <p:cNvPr id="4" name="Date Placeholder 3">
             <a:extLst>
               <a:ext uri="{FF2B5EF4-FFF2-40B4-BE49-F238E27FC236}">
-                <a16:creationId xmlns:a16="http://schemas.microsoft.com/office/drawing/2014/main" xmlns="" id="{7BA5F2B5-CC06-41F2-9C93-782B639C129B}"/>
+                <a16:creationId xmlns="" xmlns:a16="http://schemas.microsoft.com/office/drawing/2014/main" id="{7BA5F2B5-CC06-41F2-9C93-782B639C129B}"/>
               </a:ext>
             </a:extLst>
           </p:cNvPr>
@@ -1189,7 +1189,7 @@
           <p:cNvPr id="5" name="Footer Placeholder 4">
             <a:extLst>
               <a:ext uri="{FF2B5EF4-FFF2-40B4-BE49-F238E27FC236}">
-                <a16:creationId xmlns:a16="http://schemas.microsoft.com/office/drawing/2014/main" xmlns="" id="{9ACEE807-3E74-45FA-85C7-9656A1B35AA8}"/>
+                <a16:creationId xmlns="" xmlns:a16="http://schemas.microsoft.com/office/drawing/2014/main" id="{9ACEE807-3E74-45FA-85C7-9656A1B35AA8}"/>
               </a:ext>
             </a:extLst>
           </p:cNvPr>
@@ -1214,7 +1214,7 @@
           <p:cNvPr id="6" name="Slide Number Placeholder 5">
             <a:extLst>
               <a:ext uri="{FF2B5EF4-FFF2-40B4-BE49-F238E27FC236}">
-                <a16:creationId xmlns:a16="http://schemas.microsoft.com/office/drawing/2014/main" xmlns="" id="{67CF63AE-565C-41C5-94E5-CDE46374DB79}"/>
+                <a16:creationId xmlns="" xmlns:a16="http://schemas.microsoft.com/office/drawing/2014/main" id="{67CF63AE-565C-41C5-94E5-CDE46374DB79}"/>
               </a:ext>
             </a:extLst>
           </p:cNvPr>
@@ -1273,7 +1273,7 @@
           <p:cNvPr id="2" name="Title 1">
             <a:extLst>
               <a:ext uri="{FF2B5EF4-FFF2-40B4-BE49-F238E27FC236}">
-                <a16:creationId xmlns:a16="http://schemas.microsoft.com/office/drawing/2014/main" xmlns="" id="{3C5446B8-AF3D-42DF-BC7D-3DE2CA00D395}"/>
+                <a16:creationId xmlns="" xmlns:a16="http://schemas.microsoft.com/office/drawing/2014/main" id="{3C5446B8-AF3D-42DF-BC7D-3DE2CA00D395}"/>
               </a:ext>
             </a:extLst>
           </p:cNvPr>
@@ -1301,7 +1301,7 @@
           <p:cNvPr id="3" name="Content Placeholder 2">
             <a:extLst>
               <a:ext uri="{FF2B5EF4-FFF2-40B4-BE49-F238E27FC236}">
-                <a16:creationId xmlns:a16="http://schemas.microsoft.com/office/drawing/2014/main" xmlns="" id="{3DD49E5B-F8E0-4488-A3F9-C2D93A8AED02}"/>
+                <a16:creationId xmlns="" xmlns:a16="http://schemas.microsoft.com/office/drawing/2014/main" id="{3DD49E5B-F8E0-4488-A3F9-C2D93A8AED02}"/>
               </a:ext>
             </a:extLst>
           </p:cNvPr>
@@ -1363,7 +1363,7 @@
           <p:cNvPr id="4" name="Content Placeholder 3">
             <a:extLst>
               <a:ext uri="{FF2B5EF4-FFF2-40B4-BE49-F238E27FC236}">
-                <a16:creationId xmlns:a16="http://schemas.microsoft.com/office/drawing/2014/main" xmlns="" id="{7717CDF6-94BE-47F6-A21B-3238F88FBF5B}"/>
+                <a16:creationId xmlns="" xmlns:a16="http://schemas.microsoft.com/office/drawing/2014/main" id="{7717CDF6-94BE-47F6-A21B-3238F88FBF5B}"/>
               </a:ext>
             </a:extLst>
           </p:cNvPr>
@@ -1425,7 +1425,7 @@
           <p:cNvPr id="5" name="Date Placeholder 4">
             <a:extLst>
               <a:ext uri="{FF2B5EF4-FFF2-40B4-BE49-F238E27FC236}">
-                <a16:creationId xmlns:a16="http://schemas.microsoft.com/office/drawing/2014/main" xmlns="" id="{88F137DE-9108-4BF4-9002-60039FEFB7CC}"/>
+                <a16:creationId xmlns="" xmlns:a16="http://schemas.microsoft.com/office/drawing/2014/main" id="{88F137DE-9108-4BF4-9002-60039FEFB7CC}"/>
               </a:ext>
             </a:extLst>
           </p:cNvPr>
@@ -1454,7 +1454,7 @@
           <p:cNvPr id="6" name="Footer Placeholder 5">
             <a:extLst>
               <a:ext uri="{FF2B5EF4-FFF2-40B4-BE49-F238E27FC236}">
-                <a16:creationId xmlns:a16="http://schemas.microsoft.com/office/drawing/2014/main" xmlns="" id="{47E38AE8-21AD-443B-82F4-A5B4F9C98F14}"/>
+                <a16:creationId xmlns="" xmlns:a16="http://schemas.microsoft.com/office/drawing/2014/main" id="{47E38AE8-21AD-443B-82F4-A5B4F9C98F14}"/>
               </a:ext>
             </a:extLst>
           </p:cNvPr>
@@ -1479,7 +1479,7 @@
           <p:cNvPr id="7" name="Slide Number Placeholder 6">
             <a:extLst>
               <a:ext uri="{FF2B5EF4-FFF2-40B4-BE49-F238E27FC236}">
-                <a16:creationId xmlns:a16="http://schemas.microsoft.com/office/drawing/2014/main" xmlns="" id="{9BB3B02D-9C1E-452E-BD68-A7F3CDA52952}"/>
+                <a16:creationId xmlns="" xmlns:a16="http://schemas.microsoft.com/office/drawing/2014/main" id="{9BB3B02D-9C1E-452E-BD68-A7F3CDA52952}"/>
               </a:ext>
             </a:extLst>
           </p:cNvPr>
@@ -1538,7 +1538,7 @@
           <p:cNvPr id="2" name="Title 1">
             <a:extLst>
               <a:ext uri="{FF2B5EF4-FFF2-40B4-BE49-F238E27FC236}">
-                <a16:creationId xmlns:a16="http://schemas.microsoft.com/office/drawing/2014/main" xmlns="" id="{7D33B436-7D71-4406-9DE9-F4B9275A89AF}"/>
+                <a16:creationId xmlns="" xmlns:a16="http://schemas.microsoft.com/office/drawing/2014/main" id="{7D33B436-7D71-4406-9DE9-F4B9275A89AF}"/>
               </a:ext>
             </a:extLst>
           </p:cNvPr>
@@ -1571,7 +1571,7 @@
           <p:cNvPr id="3" name="Text Placeholder 2">
             <a:extLst>
               <a:ext uri="{FF2B5EF4-FFF2-40B4-BE49-F238E27FC236}">
-                <a16:creationId xmlns:a16="http://schemas.microsoft.com/office/drawing/2014/main" xmlns="" id="{F1CEC733-810F-4ADD-913C-EB30E18490E5}"/>
+                <a16:creationId xmlns="" xmlns:a16="http://schemas.microsoft.com/office/drawing/2014/main" id="{F1CEC733-810F-4ADD-913C-EB30E18490E5}"/>
               </a:ext>
             </a:extLst>
           </p:cNvPr>
@@ -1642,7 +1642,7 @@
           <p:cNvPr id="4" name="Content Placeholder 3">
             <a:extLst>
               <a:ext uri="{FF2B5EF4-FFF2-40B4-BE49-F238E27FC236}">
-                <a16:creationId xmlns:a16="http://schemas.microsoft.com/office/drawing/2014/main" xmlns="" id="{1725BC84-2F45-4874-B4C6-A103C94664FE}"/>
+                <a16:creationId xmlns="" xmlns:a16="http://schemas.microsoft.com/office/drawing/2014/main" id="{1725BC84-2F45-4874-B4C6-A103C94664FE}"/>
               </a:ext>
             </a:extLst>
           </p:cNvPr>
@@ -1704,7 +1704,7 @@
           <p:cNvPr id="5" name="Text Placeholder 4">
             <a:extLst>
               <a:ext uri="{FF2B5EF4-FFF2-40B4-BE49-F238E27FC236}">
-                <a16:creationId xmlns:a16="http://schemas.microsoft.com/office/drawing/2014/main" xmlns="" id="{DE79F75E-01EA-466D-AE7A-6A9E96BCA568}"/>
+                <a16:creationId xmlns="" xmlns:a16="http://schemas.microsoft.com/office/drawing/2014/main" id="{DE79F75E-01EA-466D-AE7A-6A9E96BCA568}"/>
               </a:ext>
             </a:extLst>
           </p:cNvPr>
@@ -1775,7 +1775,7 @@
           <p:cNvPr id="6" name="Content Placeholder 5">
             <a:extLst>
               <a:ext uri="{FF2B5EF4-FFF2-40B4-BE49-F238E27FC236}">
-                <a16:creationId xmlns:a16="http://schemas.microsoft.com/office/drawing/2014/main" xmlns="" id="{4B819276-CEDA-4E9A-9B9C-3F28617F8D9C}"/>
+                <a16:creationId xmlns="" xmlns:a16="http://schemas.microsoft.com/office/drawing/2014/main" id="{4B819276-CEDA-4E9A-9B9C-3F28617F8D9C}"/>
               </a:ext>
             </a:extLst>
           </p:cNvPr>
@@ -1837,7 +1837,7 @@
           <p:cNvPr id="7" name="Date Placeholder 6">
             <a:extLst>
               <a:ext uri="{FF2B5EF4-FFF2-40B4-BE49-F238E27FC236}">
-                <a16:creationId xmlns:a16="http://schemas.microsoft.com/office/drawing/2014/main" xmlns="" id="{A4CE621B-DA3C-4C5A-A5C3-956B55076074}"/>
+                <a16:creationId xmlns="" xmlns:a16="http://schemas.microsoft.com/office/drawing/2014/main" id="{A4CE621B-DA3C-4C5A-A5C3-956B55076074}"/>
               </a:ext>
             </a:extLst>
           </p:cNvPr>
@@ -1866,7 +1866,7 @@
           <p:cNvPr id="8" name="Footer Placeholder 7">
             <a:extLst>
               <a:ext uri="{FF2B5EF4-FFF2-40B4-BE49-F238E27FC236}">
-                <a16:creationId xmlns:a16="http://schemas.microsoft.com/office/drawing/2014/main" xmlns="" id="{FBE011C3-D58E-4C99-A603-5B8AAE4F1970}"/>
+                <a16:creationId xmlns="" xmlns:a16="http://schemas.microsoft.com/office/drawing/2014/main" id="{FBE011C3-D58E-4C99-A603-5B8AAE4F1970}"/>
               </a:ext>
             </a:extLst>
           </p:cNvPr>
@@ -1891,7 +1891,7 @@
           <p:cNvPr id="9" name="Slide Number Placeholder 8">
             <a:extLst>
               <a:ext uri="{FF2B5EF4-FFF2-40B4-BE49-F238E27FC236}">
-                <a16:creationId xmlns:a16="http://schemas.microsoft.com/office/drawing/2014/main" xmlns="" id="{5FA74389-FC45-4DA6-93BB-2A383F95EFC4}"/>
+                <a16:creationId xmlns="" xmlns:a16="http://schemas.microsoft.com/office/drawing/2014/main" id="{5FA74389-FC45-4DA6-93BB-2A383F95EFC4}"/>
               </a:ext>
             </a:extLst>
           </p:cNvPr>
@@ -1950,7 +1950,7 @@
           <p:cNvPr id="2" name="Title 1">
             <a:extLst>
               <a:ext uri="{FF2B5EF4-FFF2-40B4-BE49-F238E27FC236}">
-                <a16:creationId xmlns:a16="http://schemas.microsoft.com/office/drawing/2014/main" xmlns="" id="{1AE635B3-CD6B-40A7-B88B-32025C656428}"/>
+                <a16:creationId xmlns="" xmlns:a16="http://schemas.microsoft.com/office/drawing/2014/main" id="{1AE635B3-CD6B-40A7-B88B-32025C656428}"/>
               </a:ext>
             </a:extLst>
           </p:cNvPr>
@@ -1978,7 +1978,7 @@
           <p:cNvPr id="3" name="Date Placeholder 2">
             <a:extLst>
               <a:ext uri="{FF2B5EF4-FFF2-40B4-BE49-F238E27FC236}">
-                <a16:creationId xmlns:a16="http://schemas.microsoft.com/office/drawing/2014/main" xmlns="" id="{7B409F2D-F8AD-4C3E-8C3D-B3F9AF0E4EF8}"/>
+                <a16:creationId xmlns="" xmlns:a16="http://schemas.microsoft.com/office/drawing/2014/main" id="{7B409F2D-F8AD-4C3E-8C3D-B3F9AF0E4EF8}"/>
               </a:ext>
             </a:extLst>
           </p:cNvPr>
@@ -2007,7 +2007,7 @@
           <p:cNvPr id="4" name="Footer Placeholder 3">
             <a:extLst>
               <a:ext uri="{FF2B5EF4-FFF2-40B4-BE49-F238E27FC236}">
-                <a16:creationId xmlns:a16="http://schemas.microsoft.com/office/drawing/2014/main" xmlns="" id="{0F262BF1-EAD8-45F5-9CA8-D3105BDEB8D1}"/>
+                <a16:creationId xmlns="" xmlns:a16="http://schemas.microsoft.com/office/drawing/2014/main" id="{0F262BF1-EAD8-45F5-9CA8-D3105BDEB8D1}"/>
               </a:ext>
             </a:extLst>
           </p:cNvPr>
@@ -2032,7 +2032,7 @@
           <p:cNvPr id="5" name="Slide Number Placeholder 4">
             <a:extLst>
               <a:ext uri="{FF2B5EF4-FFF2-40B4-BE49-F238E27FC236}">
-                <a16:creationId xmlns:a16="http://schemas.microsoft.com/office/drawing/2014/main" xmlns="" id="{62864335-19FE-43BC-AFA8-177B228FCFAA}"/>
+                <a16:creationId xmlns="" xmlns:a16="http://schemas.microsoft.com/office/drawing/2014/main" id="{62864335-19FE-43BC-AFA8-177B228FCFAA}"/>
               </a:ext>
             </a:extLst>
           </p:cNvPr>
@@ -2091,7 +2091,7 @@
           <p:cNvPr id="2" name="Date Placeholder 1">
             <a:extLst>
               <a:ext uri="{FF2B5EF4-FFF2-40B4-BE49-F238E27FC236}">
-                <a16:creationId xmlns:a16="http://schemas.microsoft.com/office/drawing/2014/main" xmlns="" id="{9AB26A17-B659-4DBF-994E-7C570A8E328B}"/>
+                <a16:creationId xmlns="" xmlns:a16="http://schemas.microsoft.com/office/drawing/2014/main" id="{9AB26A17-B659-4DBF-994E-7C570A8E328B}"/>
               </a:ext>
             </a:extLst>
           </p:cNvPr>
@@ -2120,7 +2120,7 @@
           <p:cNvPr id="3" name="Footer Placeholder 2">
             <a:extLst>
               <a:ext uri="{FF2B5EF4-FFF2-40B4-BE49-F238E27FC236}">
-                <a16:creationId xmlns:a16="http://schemas.microsoft.com/office/drawing/2014/main" xmlns="" id="{2CF673E8-3FDB-46CE-A1AF-D6F2F709312F}"/>
+                <a16:creationId xmlns="" xmlns:a16="http://schemas.microsoft.com/office/drawing/2014/main" id="{2CF673E8-3FDB-46CE-A1AF-D6F2F709312F}"/>
               </a:ext>
             </a:extLst>
           </p:cNvPr>
@@ -2145,7 +2145,7 @@
           <p:cNvPr id="4" name="Slide Number Placeholder 3">
             <a:extLst>
               <a:ext uri="{FF2B5EF4-FFF2-40B4-BE49-F238E27FC236}">
-                <a16:creationId xmlns:a16="http://schemas.microsoft.com/office/drawing/2014/main" xmlns="" id="{EA703814-7730-491E-848B-31D961ED9958}"/>
+                <a16:creationId xmlns="" xmlns:a16="http://schemas.microsoft.com/office/drawing/2014/main" id="{EA703814-7730-491E-848B-31D961ED9958}"/>
               </a:ext>
             </a:extLst>
           </p:cNvPr>
@@ -2204,7 +2204,7 @@
           <p:cNvPr id="2" name="Title 1">
             <a:extLst>
               <a:ext uri="{FF2B5EF4-FFF2-40B4-BE49-F238E27FC236}">
-                <a16:creationId xmlns:a16="http://schemas.microsoft.com/office/drawing/2014/main" xmlns="" id="{3B08702D-6E68-4F1E-A969-A6252AF7325F}"/>
+                <a16:creationId xmlns="" xmlns:a16="http://schemas.microsoft.com/office/drawing/2014/main" id="{3B08702D-6E68-4F1E-A969-A6252AF7325F}"/>
               </a:ext>
             </a:extLst>
           </p:cNvPr>
@@ -2241,7 +2241,7 @@
           <p:cNvPr id="3" name="Content Placeholder 2">
             <a:extLst>
               <a:ext uri="{FF2B5EF4-FFF2-40B4-BE49-F238E27FC236}">
-                <a16:creationId xmlns:a16="http://schemas.microsoft.com/office/drawing/2014/main" xmlns="" id="{6383870B-E7E6-4662-8FD8-50E0E73B3A71}"/>
+                <a16:creationId xmlns="" xmlns:a16="http://schemas.microsoft.com/office/drawing/2014/main" id="{6383870B-E7E6-4662-8FD8-50E0E73B3A71}"/>
               </a:ext>
             </a:extLst>
           </p:cNvPr>
@@ -2331,7 +2331,7 @@
           <p:cNvPr id="4" name="Text Placeholder 3">
             <a:extLst>
               <a:ext uri="{FF2B5EF4-FFF2-40B4-BE49-F238E27FC236}">
-                <a16:creationId xmlns:a16="http://schemas.microsoft.com/office/drawing/2014/main" xmlns="" id="{FA3AA955-CBD1-4E49-8BAE-ED811F44C61E}"/>
+                <a16:creationId xmlns="" xmlns:a16="http://schemas.microsoft.com/office/drawing/2014/main" id="{FA3AA955-CBD1-4E49-8BAE-ED811F44C61E}"/>
               </a:ext>
             </a:extLst>
           </p:cNvPr>
@@ -2402,7 +2402,7 @@
           <p:cNvPr id="5" name="Date Placeholder 4">
             <a:extLst>
               <a:ext uri="{FF2B5EF4-FFF2-40B4-BE49-F238E27FC236}">
-                <a16:creationId xmlns:a16="http://schemas.microsoft.com/office/drawing/2014/main" xmlns="" id="{26119B95-248E-48F3-AADC-F1FC15862D04}"/>
+                <a16:creationId xmlns="" xmlns:a16="http://schemas.microsoft.com/office/drawing/2014/main" id="{26119B95-248E-48F3-AADC-F1FC15862D04}"/>
               </a:ext>
             </a:extLst>
           </p:cNvPr>
@@ -2431,7 +2431,7 @@
           <p:cNvPr id="6" name="Footer Placeholder 5">
             <a:extLst>
               <a:ext uri="{FF2B5EF4-FFF2-40B4-BE49-F238E27FC236}">
-                <a16:creationId xmlns:a16="http://schemas.microsoft.com/office/drawing/2014/main" xmlns="" id="{B4E8EB79-9342-494C-9380-F2CFFA9FF19F}"/>
+                <a16:creationId xmlns="" xmlns:a16="http://schemas.microsoft.com/office/drawing/2014/main" id="{B4E8EB79-9342-494C-9380-F2CFFA9FF19F}"/>
               </a:ext>
             </a:extLst>
           </p:cNvPr>
@@ -2456,7 +2456,7 @@
           <p:cNvPr id="7" name="Slide Number Placeholder 6">
             <a:extLst>
               <a:ext uri="{FF2B5EF4-FFF2-40B4-BE49-F238E27FC236}">
-                <a16:creationId xmlns:a16="http://schemas.microsoft.com/office/drawing/2014/main" xmlns="" id="{FB45AD36-DB68-4C61-9A73-F4D15F78265E}"/>
+                <a16:creationId xmlns="" xmlns:a16="http://schemas.microsoft.com/office/drawing/2014/main" id="{FB45AD36-DB68-4C61-9A73-F4D15F78265E}"/>
               </a:ext>
             </a:extLst>
           </p:cNvPr>
@@ -2515,7 +2515,7 @@
           <p:cNvPr id="2" name="Title 1">
             <a:extLst>
               <a:ext uri="{FF2B5EF4-FFF2-40B4-BE49-F238E27FC236}">
-                <a16:creationId xmlns:a16="http://schemas.microsoft.com/office/drawing/2014/main" xmlns="" id="{C331EDB0-A44B-4A91-8F24-B626E4AB40CC}"/>
+                <a16:creationId xmlns="" xmlns:a16="http://schemas.microsoft.com/office/drawing/2014/main" id="{C331EDB0-A44B-4A91-8F24-B626E4AB40CC}"/>
               </a:ext>
             </a:extLst>
           </p:cNvPr>
@@ -2552,7 +2552,7 @@
           <p:cNvPr id="3" name="Picture Placeholder 2">
             <a:extLst>
               <a:ext uri="{FF2B5EF4-FFF2-40B4-BE49-F238E27FC236}">
-                <a16:creationId xmlns:a16="http://schemas.microsoft.com/office/drawing/2014/main" xmlns="" id="{526A4C1C-F4A0-4D13-ADFB-9ECA578080B7}"/>
+                <a16:creationId xmlns="" xmlns:a16="http://schemas.microsoft.com/office/drawing/2014/main" id="{526A4C1C-F4A0-4D13-ADFB-9ECA578080B7}"/>
               </a:ext>
             </a:extLst>
           </p:cNvPr>
@@ -2619,7 +2619,7 @@
           <p:cNvPr id="4" name="Text Placeholder 3">
             <a:extLst>
               <a:ext uri="{FF2B5EF4-FFF2-40B4-BE49-F238E27FC236}">
-                <a16:creationId xmlns:a16="http://schemas.microsoft.com/office/drawing/2014/main" xmlns="" id="{4CC8FD15-CF42-4EE7-AB00-FB2025A01FF2}"/>
+                <a16:creationId xmlns="" xmlns:a16="http://schemas.microsoft.com/office/drawing/2014/main" id="{4CC8FD15-CF42-4EE7-AB00-FB2025A01FF2}"/>
               </a:ext>
             </a:extLst>
           </p:cNvPr>
@@ -2690,7 +2690,7 @@
           <p:cNvPr id="5" name="Date Placeholder 4">
             <a:extLst>
               <a:ext uri="{FF2B5EF4-FFF2-40B4-BE49-F238E27FC236}">
-                <a16:creationId xmlns:a16="http://schemas.microsoft.com/office/drawing/2014/main" xmlns="" id="{9AB7877C-7913-4FD6-A3BB-2A1ECA147801}"/>
+                <a16:creationId xmlns="" xmlns:a16="http://schemas.microsoft.com/office/drawing/2014/main" id="{9AB7877C-7913-4FD6-A3BB-2A1ECA147801}"/>
               </a:ext>
             </a:extLst>
           </p:cNvPr>
@@ -2719,7 +2719,7 @@
           <p:cNvPr id="6" name="Footer Placeholder 5">
             <a:extLst>
               <a:ext uri="{FF2B5EF4-FFF2-40B4-BE49-F238E27FC236}">
-                <a16:creationId xmlns:a16="http://schemas.microsoft.com/office/drawing/2014/main" xmlns="" id="{27F2D4DB-799D-4691-97FF-65EF73447B43}"/>
+                <a16:creationId xmlns="" xmlns:a16="http://schemas.microsoft.com/office/drawing/2014/main" id="{27F2D4DB-799D-4691-97FF-65EF73447B43}"/>
               </a:ext>
             </a:extLst>
           </p:cNvPr>
@@ -2744,7 +2744,7 @@
           <p:cNvPr id="7" name="Slide Number Placeholder 6">
             <a:extLst>
               <a:ext uri="{FF2B5EF4-FFF2-40B4-BE49-F238E27FC236}">
-                <a16:creationId xmlns:a16="http://schemas.microsoft.com/office/drawing/2014/main" xmlns="" id="{0147F395-F574-4A93-BBEC-55AC4215F76B}"/>
+                <a16:creationId xmlns="" xmlns:a16="http://schemas.microsoft.com/office/drawing/2014/main" id="{0147F395-F574-4A93-BBEC-55AC4215F76B}"/>
               </a:ext>
             </a:extLst>
           </p:cNvPr>
@@ -2808,7 +2808,7 @@
           <p:cNvPr id="2" name="Title Placeholder 1">
             <a:extLst>
               <a:ext uri="{FF2B5EF4-FFF2-40B4-BE49-F238E27FC236}">
-                <a16:creationId xmlns:a16="http://schemas.microsoft.com/office/drawing/2014/main" xmlns="" id="{CAFC191F-5A1C-4B6A-B312-7A5E4F023D17}"/>
+                <a16:creationId xmlns="" xmlns:a16="http://schemas.microsoft.com/office/drawing/2014/main" id="{CAFC191F-5A1C-4B6A-B312-7A5E4F023D17}"/>
               </a:ext>
             </a:extLst>
           </p:cNvPr>
@@ -2846,7 +2846,7 @@
           <p:cNvPr id="3" name="Text Placeholder 2">
             <a:extLst>
               <a:ext uri="{FF2B5EF4-FFF2-40B4-BE49-F238E27FC236}">
-                <a16:creationId xmlns:a16="http://schemas.microsoft.com/office/drawing/2014/main" xmlns="" id="{DF0D67CD-5D02-4C2C-B381-6CD9FAE73E2C}"/>
+                <a16:creationId xmlns="" xmlns:a16="http://schemas.microsoft.com/office/drawing/2014/main" id="{DF0D67CD-5D02-4C2C-B381-6CD9FAE73E2C}"/>
               </a:ext>
             </a:extLst>
           </p:cNvPr>
@@ -2913,7 +2913,7 @@
           <p:cNvPr id="4" name="Date Placeholder 3">
             <a:extLst>
               <a:ext uri="{FF2B5EF4-FFF2-40B4-BE49-F238E27FC236}">
-                <a16:creationId xmlns:a16="http://schemas.microsoft.com/office/drawing/2014/main" xmlns="" id="{E0A83CBC-382C-43CB-8473-3B7506B5CF2A}"/>
+                <a16:creationId xmlns="" xmlns:a16="http://schemas.microsoft.com/office/drawing/2014/main" id="{E0A83CBC-382C-43CB-8473-3B7506B5CF2A}"/>
               </a:ext>
             </a:extLst>
           </p:cNvPr>
@@ -2960,7 +2960,7 @@
           <p:cNvPr id="5" name="Footer Placeholder 4">
             <a:extLst>
               <a:ext uri="{FF2B5EF4-FFF2-40B4-BE49-F238E27FC236}">
-                <a16:creationId xmlns:a16="http://schemas.microsoft.com/office/drawing/2014/main" xmlns="" id="{51C8FDB3-E05D-4F59-ABC2-B06E2D0C88C8}"/>
+                <a16:creationId xmlns="" xmlns:a16="http://schemas.microsoft.com/office/drawing/2014/main" id="{51C8FDB3-E05D-4F59-ABC2-B06E2D0C88C8}"/>
               </a:ext>
             </a:extLst>
           </p:cNvPr>
@@ -3003,7 +3003,7 @@
           <p:cNvPr id="6" name="Slide Number Placeholder 5">
             <a:extLst>
               <a:ext uri="{FF2B5EF4-FFF2-40B4-BE49-F238E27FC236}">
-                <a16:creationId xmlns:a16="http://schemas.microsoft.com/office/drawing/2014/main" xmlns="" id="{49D6F8E0-D7FC-404A-84C6-41B4217B2B3F}"/>
+                <a16:creationId xmlns="" xmlns:a16="http://schemas.microsoft.com/office/drawing/2014/main" id="{49D6F8E0-D7FC-404A-84C6-41B4217B2B3F}"/>
               </a:ext>
             </a:extLst>
           </p:cNvPr>
@@ -3371,7 +3371,7 @@
           <p:cNvPr id="2" name="Title 1">
             <a:extLst>
               <a:ext uri="{FF2B5EF4-FFF2-40B4-BE49-F238E27FC236}">
-                <a16:creationId xmlns:a16="http://schemas.microsoft.com/office/drawing/2014/main" xmlns="" id="{ECEF9B3A-1FDC-44DF-8F56-60272F1CE5E9}"/>
+                <a16:creationId xmlns="" xmlns:a16="http://schemas.microsoft.com/office/drawing/2014/main" id="{ECEF9B3A-1FDC-44DF-8F56-60272F1CE5E9}"/>
               </a:ext>
             </a:extLst>
           </p:cNvPr>
@@ -3403,7 +3403,7 @@
           <p:cNvPr id="3" name="Subtitle 2">
             <a:extLst>
               <a:ext uri="{FF2B5EF4-FFF2-40B4-BE49-F238E27FC236}">
-                <a16:creationId xmlns:a16="http://schemas.microsoft.com/office/drawing/2014/main" xmlns="" id="{04CBD24F-7114-49D4-A7B1-0C7133942AB8}"/>
+                <a16:creationId xmlns="" xmlns:a16="http://schemas.microsoft.com/office/drawing/2014/main" id="{04CBD24F-7114-49D4-A7B1-0C7133942AB8}"/>
               </a:ext>
             </a:extLst>
           </p:cNvPr>
@@ -3461,7 +3461,7 @@
           <p:cNvPr id="19458" name="Slide Number Placeholder 3">
             <a:extLst>
               <a:ext uri="{FF2B5EF4-FFF2-40B4-BE49-F238E27FC236}">
-                <a16:creationId xmlns:a16="http://schemas.microsoft.com/office/drawing/2014/main" xmlns="" id="{DA835C42-C7CE-4930-8032-677E3A977B1A}"/>
+                <a16:creationId xmlns="" xmlns:a16="http://schemas.microsoft.com/office/drawing/2014/main" id="{DA835C42-C7CE-4930-8032-677E3A977B1A}"/>
               </a:ext>
             </a:extLst>
           </p:cNvPr>
@@ -3662,7 +3662,7 @@
           <p:cNvPr id="19459" name="Rectangle 3">
             <a:extLst>
               <a:ext uri="{FF2B5EF4-FFF2-40B4-BE49-F238E27FC236}">
-                <a16:creationId xmlns:a16="http://schemas.microsoft.com/office/drawing/2014/main" xmlns="" id="{7EC3F02B-D547-497E-9901-90C6E7754FBD}"/>
+                <a16:creationId xmlns="" xmlns:a16="http://schemas.microsoft.com/office/drawing/2014/main" id="{7EC3F02B-D547-497E-9901-90C6E7754FBD}"/>
               </a:ext>
             </a:extLst>
           </p:cNvPr>
@@ -3704,7 +3704,7 @@
           <p:cNvPr id="19460" name="Picture 5" descr="31755_FIG0411a.gif                                             0001035BEeyore                         B91DCF3B:">
             <a:extLst>
               <a:ext uri="{FF2B5EF4-FFF2-40B4-BE49-F238E27FC236}">
-                <a16:creationId xmlns:a16="http://schemas.microsoft.com/office/drawing/2014/main" xmlns="" id="{1B2C4311-22D3-4F5B-82F8-C84CD2A005C2}"/>
+                <a16:creationId xmlns="" xmlns:a16="http://schemas.microsoft.com/office/drawing/2014/main" id="{1B2C4311-22D3-4F5B-82F8-C84CD2A005C2}"/>
               </a:ext>
             </a:extLst>
           </p:cNvPr>
@@ -3765,7 +3765,7 @@
           <p:cNvPr id="20482" name="Slide Number Placeholder 3">
             <a:extLst>
               <a:ext uri="{FF2B5EF4-FFF2-40B4-BE49-F238E27FC236}">
-                <a16:creationId xmlns:a16="http://schemas.microsoft.com/office/drawing/2014/main" xmlns="" id="{238CF148-E306-44B4-ACA2-6F1D5B7DD5E5}"/>
+                <a16:creationId xmlns="" xmlns:a16="http://schemas.microsoft.com/office/drawing/2014/main" id="{238CF148-E306-44B4-ACA2-6F1D5B7DD5E5}"/>
               </a:ext>
             </a:extLst>
           </p:cNvPr>
@@ -3966,7 +3966,7 @@
           <p:cNvPr id="20483" name="Rectangle 1026">
             <a:extLst>
               <a:ext uri="{FF2B5EF4-FFF2-40B4-BE49-F238E27FC236}">
-                <a16:creationId xmlns:a16="http://schemas.microsoft.com/office/drawing/2014/main" xmlns="" id="{B93067F3-AC32-4FCB-A119-900AE5C0BEDE}"/>
+                <a16:creationId xmlns="" xmlns:a16="http://schemas.microsoft.com/office/drawing/2014/main" id="{B93067F3-AC32-4FCB-A119-900AE5C0BEDE}"/>
               </a:ext>
             </a:extLst>
           </p:cNvPr>
@@ -4016,7 +4016,7 @@
           <p:cNvPr id="20484" name="Picture 1027" descr="31755_FIG0901.gif                                              0001035BEeyore                         B91DCF3B:">
             <a:extLst>
               <a:ext uri="{FF2B5EF4-FFF2-40B4-BE49-F238E27FC236}">
-                <a16:creationId xmlns:a16="http://schemas.microsoft.com/office/drawing/2014/main" xmlns="" id="{05E5514C-6E74-4380-B3A0-09DC094CFEAC}"/>
+                <a16:creationId xmlns="" xmlns:a16="http://schemas.microsoft.com/office/drawing/2014/main" id="{05E5514C-6E74-4380-B3A0-09DC094CFEAC}"/>
               </a:ext>
             </a:extLst>
           </p:cNvPr>
@@ -4077,7 +4077,7 @@
           <p:cNvPr id="2" name="Title 1">
             <a:extLst>
               <a:ext uri="{FF2B5EF4-FFF2-40B4-BE49-F238E27FC236}">
-                <a16:creationId xmlns:a16="http://schemas.microsoft.com/office/drawing/2014/main" xmlns="" id="{D3D6C960-51CF-463E-A833-A1F31616163D}"/>
+                <a16:creationId xmlns="" xmlns:a16="http://schemas.microsoft.com/office/drawing/2014/main" id="{D3D6C960-51CF-463E-A833-A1F31616163D}"/>
               </a:ext>
             </a:extLst>
           </p:cNvPr>
@@ -4105,7 +4105,7 @@
           <p:cNvPr id="4" name="Content Placeholder 3">
             <a:extLst>
               <a:ext uri="{FF2B5EF4-FFF2-40B4-BE49-F238E27FC236}">
-                <a16:creationId xmlns:a16="http://schemas.microsoft.com/office/drawing/2014/main" xmlns="" id="{350655AA-0A4C-4E90-934B-DD149A30FD46}"/>
+                <a16:creationId xmlns="" xmlns:a16="http://schemas.microsoft.com/office/drawing/2014/main" id="{350655AA-0A4C-4E90-934B-DD149A30FD46}"/>
               </a:ext>
             </a:extLst>
           </p:cNvPr>
@@ -4220,7 +4220,7 @@
           <p:cNvPr id="2" name="Title 1">
             <a:extLst>
               <a:ext uri="{FF2B5EF4-FFF2-40B4-BE49-F238E27FC236}">
-                <a16:creationId xmlns:a16="http://schemas.microsoft.com/office/drawing/2014/main" xmlns="" id="{E7E4CA60-B02B-4E0C-B78F-37D528781724}"/>
+                <a16:creationId xmlns="" xmlns:a16="http://schemas.microsoft.com/office/drawing/2014/main" id="{E7E4CA60-B02B-4E0C-B78F-37D528781724}"/>
               </a:ext>
             </a:extLst>
           </p:cNvPr>
@@ -4308,7 +4308,7 @@
           <p:cNvPr id="2" name="Title 1">
             <a:extLst>
               <a:ext uri="{FF2B5EF4-FFF2-40B4-BE49-F238E27FC236}">
-                <a16:creationId xmlns:a16="http://schemas.microsoft.com/office/drawing/2014/main" xmlns="" id="{67ADEFF5-9042-4F16-8494-13F9F0A8C63F}"/>
+                <a16:creationId xmlns="" xmlns:a16="http://schemas.microsoft.com/office/drawing/2014/main" id="{67ADEFF5-9042-4F16-8494-13F9F0A8C63F}"/>
               </a:ext>
             </a:extLst>
           </p:cNvPr>
@@ -4498,7 +4498,7 @@
           <p:cNvPr id="2" name="Title 1">
             <a:extLst>
               <a:ext uri="{FF2B5EF4-FFF2-40B4-BE49-F238E27FC236}">
-                <a16:creationId xmlns:a16="http://schemas.microsoft.com/office/drawing/2014/main" xmlns="" id="{95B4E577-A50F-4552-8EDA-933F9233FD8B}"/>
+                <a16:creationId xmlns="" xmlns:a16="http://schemas.microsoft.com/office/drawing/2014/main" id="{95B4E577-A50F-4552-8EDA-933F9233FD8B}"/>
               </a:ext>
             </a:extLst>
           </p:cNvPr>
@@ -4596,7 +4596,7 @@
           <p:cNvPr id="2" name="Title 1">
             <a:extLst>
               <a:ext uri="{FF2B5EF4-FFF2-40B4-BE49-F238E27FC236}">
-                <a16:creationId xmlns:a16="http://schemas.microsoft.com/office/drawing/2014/main" xmlns="" id="{DD648179-5095-4ACB-B800-D5A626412E8A}"/>
+                <a16:creationId xmlns="" xmlns:a16="http://schemas.microsoft.com/office/drawing/2014/main" id="{DD648179-5095-4ACB-B800-D5A626412E8A}"/>
               </a:ext>
             </a:extLst>
           </p:cNvPr>
@@ -4624,7 +4624,7 @@
           <p:cNvPr id="3" name="Content Placeholder 2">
             <a:extLst>
               <a:ext uri="{FF2B5EF4-FFF2-40B4-BE49-F238E27FC236}">
-                <a16:creationId xmlns:a16="http://schemas.microsoft.com/office/drawing/2014/main" xmlns="" id="{CABDF553-8A2F-47FA-BEDA-0B3AC48EED8C}"/>
+                <a16:creationId xmlns="" xmlns:a16="http://schemas.microsoft.com/office/drawing/2014/main" id="{CABDF553-8A2F-47FA-BEDA-0B3AC48EED8C}"/>
               </a:ext>
             </a:extLst>
           </p:cNvPr>
@@ -4854,7 +4854,7 @@
           <p:cNvPr id="2" name="Title 1">
             <a:extLst>
               <a:ext uri="{FF2B5EF4-FFF2-40B4-BE49-F238E27FC236}">
-                <a16:creationId xmlns:a16="http://schemas.microsoft.com/office/drawing/2014/main" xmlns="" id="{3663BC86-6F5C-477F-A16B-C908D10BF748}"/>
+                <a16:creationId xmlns="" xmlns:a16="http://schemas.microsoft.com/office/drawing/2014/main" id="{3663BC86-6F5C-477F-A16B-C908D10BF748}"/>
               </a:ext>
             </a:extLst>
           </p:cNvPr>
@@ -4882,7 +4882,7 @@
           <p:cNvPr id="4" name="Table 4">
             <a:extLst>
               <a:ext uri="{FF2B5EF4-FFF2-40B4-BE49-F238E27FC236}">
-                <a16:creationId xmlns:a16="http://schemas.microsoft.com/office/drawing/2014/main" xmlns="" id="{583D8DDE-785F-4014-8F2A-3208B2EB13DD}"/>
+                <a16:creationId xmlns="" xmlns:a16="http://schemas.microsoft.com/office/drawing/2014/main" id="{583D8DDE-785F-4014-8F2A-3208B2EB13DD}"/>
               </a:ext>
             </a:extLst>
           </p:cNvPr>
@@ -4912,56 +4912,56 @@
                 <a:gridCol w="1314450">
                   <a:extLst>
                     <a:ext uri="{9D8B030D-6E8A-4147-A177-3AD203B41FA5}">
-                      <a16:colId xmlns:a16="http://schemas.microsoft.com/office/drawing/2014/main" xmlns="" val="1616057300"/>
+                      <a16:colId xmlns="" xmlns:a16="http://schemas.microsoft.com/office/drawing/2014/main" val="1616057300"/>
                     </a:ext>
                   </a:extLst>
                 </a:gridCol>
                 <a:gridCol w="1314450">
                   <a:extLst>
                     <a:ext uri="{9D8B030D-6E8A-4147-A177-3AD203B41FA5}">
-                      <a16:colId xmlns:a16="http://schemas.microsoft.com/office/drawing/2014/main" xmlns="" val="1042738825"/>
+                      <a16:colId xmlns="" xmlns:a16="http://schemas.microsoft.com/office/drawing/2014/main" val="1042738825"/>
                     </a:ext>
                   </a:extLst>
                 </a:gridCol>
                 <a:gridCol w="1314450">
                   <a:extLst>
                     <a:ext uri="{9D8B030D-6E8A-4147-A177-3AD203B41FA5}">
-                      <a16:colId xmlns:a16="http://schemas.microsoft.com/office/drawing/2014/main" xmlns="" val="625143435"/>
+                      <a16:colId xmlns="" xmlns:a16="http://schemas.microsoft.com/office/drawing/2014/main" val="625143435"/>
                     </a:ext>
                   </a:extLst>
                 </a:gridCol>
                 <a:gridCol w="1314450">
                   <a:extLst>
                     <a:ext uri="{9D8B030D-6E8A-4147-A177-3AD203B41FA5}">
-                      <a16:colId xmlns:a16="http://schemas.microsoft.com/office/drawing/2014/main" xmlns="" val="45310582"/>
+                      <a16:colId xmlns="" xmlns:a16="http://schemas.microsoft.com/office/drawing/2014/main" val="45310582"/>
                     </a:ext>
                   </a:extLst>
                 </a:gridCol>
                 <a:gridCol w="1314450">
                   <a:extLst>
                     <a:ext uri="{9D8B030D-6E8A-4147-A177-3AD203B41FA5}">
-                      <a16:colId xmlns:a16="http://schemas.microsoft.com/office/drawing/2014/main" xmlns="" val="3468223957"/>
+                      <a16:colId xmlns="" xmlns:a16="http://schemas.microsoft.com/office/drawing/2014/main" val="3468223957"/>
                     </a:ext>
                   </a:extLst>
                 </a:gridCol>
                 <a:gridCol w="1314450">
                   <a:extLst>
                     <a:ext uri="{9D8B030D-6E8A-4147-A177-3AD203B41FA5}">
-                      <a16:colId xmlns:a16="http://schemas.microsoft.com/office/drawing/2014/main" xmlns="" val="1118053664"/>
+                      <a16:colId xmlns="" xmlns:a16="http://schemas.microsoft.com/office/drawing/2014/main" val="1118053664"/>
                     </a:ext>
                   </a:extLst>
                 </a:gridCol>
                 <a:gridCol w="1314450">
                   <a:extLst>
                     <a:ext uri="{9D8B030D-6E8A-4147-A177-3AD203B41FA5}">
-                      <a16:colId xmlns:a16="http://schemas.microsoft.com/office/drawing/2014/main" xmlns="" val="2799167633"/>
+                      <a16:colId xmlns="" xmlns:a16="http://schemas.microsoft.com/office/drawing/2014/main" val="2799167633"/>
                     </a:ext>
                   </a:extLst>
                 </a:gridCol>
                 <a:gridCol w="1314450">
                   <a:extLst>
                     <a:ext uri="{9D8B030D-6E8A-4147-A177-3AD203B41FA5}">
-                      <a16:colId xmlns:a16="http://schemas.microsoft.com/office/drawing/2014/main" xmlns="" val="63792830"/>
+                      <a16:colId xmlns="" xmlns:a16="http://schemas.microsoft.com/office/drawing/2014/main" val="63792830"/>
                     </a:ext>
                   </a:extLst>
                 </a:gridCol>
@@ -5049,7 +5049,7 @@
                 </a:tc>
                 <a:extLst>
                   <a:ext uri="{0D108BD9-81ED-4DB2-BD59-A6C34878D82A}">
-                    <a16:rowId xmlns:a16="http://schemas.microsoft.com/office/drawing/2014/main" xmlns="" val="501632632"/>
+                    <a16:rowId xmlns="" xmlns:a16="http://schemas.microsoft.com/office/drawing/2014/main" val="501632632"/>
                   </a:ext>
                 </a:extLst>
               </a:tr>
@@ -5136,7 +5136,7 @@
                 </a:tc>
                 <a:extLst>
                   <a:ext uri="{0D108BD9-81ED-4DB2-BD59-A6C34878D82A}">
-                    <a16:rowId xmlns:a16="http://schemas.microsoft.com/office/drawing/2014/main" xmlns="" val="852554498"/>
+                    <a16:rowId xmlns="" xmlns:a16="http://schemas.microsoft.com/office/drawing/2014/main" val="852554498"/>
                   </a:ext>
                 </a:extLst>
               </a:tr>
@@ -5149,7 +5149,7 @@
           <p:cNvPr id="5" name="Table 4">
             <a:extLst>
               <a:ext uri="{FF2B5EF4-FFF2-40B4-BE49-F238E27FC236}">
-                <a16:creationId xmlns:a16="http://schemas.microsoft.com/office/drawing/2014/main" xmlns="" id="{D4D65A1E-33CB-4921-91E7-41C8E1D5E535}"/>
+                <a16:creationId xmlns="" xmlns:a16="http://schemas.microsoft.com/office/drawing/2014/main" id="{D4D65A1E-33CB-4921-91E7-41C8E1D5E535}"/>
               </a:ext>
             </a:extLst>
           </p:cNvPr>
@@ -5178,56 +5178,56 @@
                 <a:gridCol w="1314450">
                   <a:extLst>
                     <a:ext uri="{9D8B030D-6E8A-4147-A177-3AD203B41FA5}">
-                      <a16:colId xmlns:a16="http://schemas.microsoft.com/office/drawing/2014/main" xmlns="" val="1616057300"/>
+                      <a16:colId xmlns="" xmlns:a16="http://schemas.microsoft.com/office/drawing/2014/main" val="1616057300"/>
                     </a:ext>
                   </a:extLst>
                 </a:gridCol>
                 <a:gridCol w="1314450">
                   <a:extLst>
                     <a:ext uri="{9D8B030D-6E8A-4147-A177-3AD203B41FA5}">
-                      <a16:colId xmlns:a16="http://schemas.microsoft.com/office/drawing/2014/main" xmlns="" val="1042738825"/>
+                      <a16:colId xmlns="" xmlns:a16="http://schemas.microsoft.com/office/drawing/2014/main" val="1042738825"/>
                     </a:ext>
                   </a:extLst>
                 </a:gridCol>
                 <a:gridCol w="1314450">
                   <a:extLst>
                     <a:ext uri="{9D8B030D-6E8A-4147-A177-3AD203B41FA5}">
-                      <a16:colId xmlns:a16="http://schemas.microsoft.com/office/drawing/2014/main" xmlns="" val="625143435"/>
+                      <a16:colId xmlns="" xmlns:a16="http://schemas.microsoft.com/office/drawing/2014/main" val="625143435"/>
                     </a:ext>
                   </a:extLst>
                 </a:gridCol>
                 <a:gridCol w="1314450">
                   <a:extLst>
                     <a:ext uri="{9D8B030D-6E8A-4147-A177-3AD203B41FA5}">
-                      <a16:colId xmlns:a16="http://schemas.microsoft.com/office/drawing/2014/main" xmlns="" val="45310582"/>
+                      <a16:colId xmlns="" xmlns:a16="http://schemas.microsoft.com/office/drawing/2014/main" val="45310582"/>
                     </a:ext>
                   </a:extLst>
                 </a:gridCol>
                 <a:gridCol w="1314450">
                   <a:extLst>
                     <a:ext uri="{9D8B030D-6E8A-4147-A177-3AD203B41FA5}">
-                      <a16:colId xmlns:a16="http://schemas.microsoft.com/office/drawing/2014/main" xmlns="" val="3468223957"/>
+                      <a16:colId xmlns="" xmlns:a16="http://schemas.microsoft.com/office/drawing/2014/main" val="3468223957"/>
                     </a:ext>
                   </a:extLst>
                 </a:gridCol>
                 <a:gridCol w="1314450">
                   <a:extLst>
                     <a:ext uri="{9D8B030D-6E8A-4147-A177-3AD203B41FA5}">
-                      <a16:colId xmlns:a16="http://schemas.microsoft.com/office/drawing/2014/main" xmlns="" val="1118053664"/>
+                      <a16:colId xmlns="" xmlns:a16="http://schemas.microsoft.com/office/drawing/2014/main" val="1118053664"/>
                     </a:ext>
                   </a:extLst>
                 </a:gridCol>
                 <a:gridCol w="1314450">
                   <a:extLst>
                     <a:ext uri="{9D8B030D-6E8A-4147-A177-3AD203B41FA5}">
-                      <a16:colId xmlns:a16="http://schemas.microsoft.com/office/drawing/2014/main" xmlns="" val="2799167633"/>
+                      <a16:colId xmlns="" xmlns:a16="http://schemas.microsoft.com/office/drawing/2014/main" val="2799167633"/>
                     </a:ext>
                   </a:extLst>
                 </a:gridCol>
                 <a:gridCol w="1314450">
                   <a:extLst>
                     <a:ext uri="{9D8B030D-6E8A-4147-A177-3AD203B41FA5}">
-                      <a16:colId xmlns:a16="http://schemas.microsoft.com/office/drawing/2014/main" xmlns="" val="63792830"/>
+                      <a16:colId xmlns="" xmlns:a16="http://schemas.microsoft.com/office/drawing/2014/main" val="63792830"/>
                     </a:ext>
                   </a:extLst>
                 </a:gridCol>
@@ -5315,7 +5315,7 @@
                 </a:tc>
                 <a:extLst>
                   <a:ext uri="{0D108BD9-81ED-4DB2-BD59-A6C34878D82A}">
-                    <a16:rowId xmlns:a16="http://schemas.microsoft.com/office/drawing/2014/main" xmlns="" val="501632632"/>
+                    <a16:rowId xmlns="" xmlns:a16="http://schemas.microsoft.com/office/drawing/2014/main" val="501632632"/>
                   </a:ext>
                 </a:extLst>
               </a:tr>
@@ -5402,7 +5402,7 @@
                 </a:tc>
                 <a:extLst>
                   <a:ext uri="{0D108BD9-81ED-4DB2-BD59-A6C34878D82A}">
-                    <a16:rowId xmlns:a16="http://schemas.microsoft.com/office/drawing/2014/main" xmlns="" val="1224345254"/>
+                    <a16:rowId xmlns="" xmlns:a16="http://schemas.microsoft.com/office/drawing/2014/main" val="1224345254"/>
                   </a:ext>
                 </a:extLst>
               </a:tr>
@@ -5415,7 +5415,7 @@
           <p:cNvPr id="6" name="Table 4">
             <a:extLst>
               <a:ext uri="{FF2B5EF4-FFF2-40B4-BE49-F238E27FC236}">
-                <a16:creationId xmlns:a16="http://schemas.microsoft.com/office/drawing/2014/main" xmlns="" id="{A93A1930-209F-4F02-B1C0-A38A204DBFD8}"/>
+                <a16:creationId xmlns="" xmlns:a16="http://schemas.microsoft.com/office/drawing/2014/main" id="{A93A1930-209F-4F02-B1C0-A38A204DBFD8}"/>
               </a:ext>
             </a:extLst>
           </p:cNvPr>
@@ -5444,56 +5444,56 @@
                 <a:gridCol w="1314450">
                   <a:extLst>
                     <a:ext uri="{9D8B030D-6E8A-4147-A177-3AD203B41FA5}">
-                      <a16:colId xmlns:a16="http://schemas.microsoft.com/office/drawing/2014/main" xmlns="" val="1616057300"/>
+                      <a16:colId xmlns="" xmlns:a16="http://schemas.microsoft.com/office/drawing/2014/main" val="1616057300"/>
                     </a:ext>
                   </a:extLst>
                 </a:gridCol>
                 <a:gridCol w="1314450">
                   <a:extLst>
                     <a:ext uri="{9D8B030D-6E8A-4147-A177-3AD203B41FA5}">
-                      <a16:colId xmlns:a16="http://schemas.microsoft.com/office/drawing/2014/main" xmlns="" val="1042738825"/>
+                      <a16:colId xmlns="" xmlns:a16="http://schemas.microsoft.com/office/drawing/2014/main" val="1042738825"/>
                     </a:ext>
                   </a:extLst>
                 </a:gridCol>
                 <a:gridCol w="1314450">
                   <a:extLst>
                     <a:ext uri="{9D8B030D-6E8A-4147-A177-3AD203B41FA5}">
-                      <a16:colId xmlns:a16="http://schemas.microsoft.com/office/drawing/2014/main" xmlns="" val="625143435"/>
+                      <a16:colId xmlns="" xmlns:a16="http://schemas.microsoft.com/office/drawing/2014/main" val="625143435"/>
                     </a:ext>
                   </a:extLst>
                 </a:gridCol>
                 <a:gridCol w="1314450">
                   <a:extLst>
                     <a:ext uri="{9D8B030D-6E8A-4147-A177-3AD203B41FA5}">
-                      <a16:colId xmlns:a16="http://schemas.microsoft.com/office/drawing/2014/main" xmlns="" val="45310582"/>
+                      <a16:colId xmlns="" xmlns:a16="http://schemas.microsoft.com/office/drawing/2014/main" val="45310582"/>
                     </a:ext>
                   </a:extLst>
                 </a:gridCol>
                 <a:gridCol w="1314450">
                   <a:extLst>
                     <a:ext uri="{9D8B030D-6E8A-4147-A177-3AD203B41FA5}">
-                      <a16:colId xmlns:a16="http://schemas.microsoft.com/office/drawing/2014/main" xmlns="" val="3468223957"/>
+                      <a16:colId xmlns="" xmlns:a16="http://schemas.microsoft.com/office/drawing/2014/main" val="3468223957"/>
                     </a:ext>
                   </a:extLst>
                 </a:gridCol>
                 <a:gridCol w="1314450">
                   <a:extLst>
                     <a:ext uri="{9D8B030D-6E8A-4147-A177-3AD203B41FA5}">
-                      <a16:colId xmlns:a16="http://schemas.microsoft.com/office/drawing/2014/main" xmlns="" val="1118053664"/>
+                      <a16:colId xmlns="" xmlns:a16="http://schemas.microsoft.com/office/drawing/2014/main" val="1118053664"/>
                     </a:ext>
                   </a:extLst>
                 </a:gridCol>
                 <a:gridCol w="1314450">
                   <a:extLst>
                     <a:ext uri="{9D8B030D-6E8A-4147-A177-3AD203B41FA5}">
-                      <a16:colId xmlns:a16="http://schemas.microsoft.com/office/drawing/2014/main" xmlns="" val="2799167633"/>
+                      <a16:colId xmlns="" xmlns:a16="http://schemas.microsoft.com/office/drawing/2014/main" val="2799167633"/>
                     </a:ext>
                   </a:extLst>
                 </a:gridCol>
                 <a:gridCol w="1314450">
                   <a:extLst>
                     <a:ext uri="{9D8B030D-6E8A-4147-A177-3AD203B41FA5}">
-                      <a16:colId xmlns:a16="http://schemas.microsoft.com/office/drawing/2014/main" xmlns="" val="63792830"/>
+                      <a16:colId xmlns="" xmlns:a16="http://schemas.microsoft.com/office/drawing/2014/main" val="63792830"/>
                     </a:ext>
                   </a:extLst>
                 </a:gridCol>
@@ -5581,7 +5581,7 @@
                 </a:tc>
                 <a:extLst>
                   <a:ext uri="{0D108BD9-81ED-4DB2-BD59-A6C34878D82A}">
-                    <a16:rowId xmlns:a16="http://schemas.microsoft.com/office/drawing/2014/main" xmlns="" val="501632632"/>
+                    <a16:rowId xmlns="" xmlns:a16="http://schemas.microsoft.com/office/drawing/2014/main" val="501632632"/>
                   </a:ext>
                 </a:extLst>
               </a:tr>
@@ -5668,7 +5668,7 @@
                 </a:tc>
                 <a:extLst>
                   <a:ext uri="{0D108BD9-81ED-4DB2-BD59-A6C34878D82A}">
-                    <a16:rowId xmlns:a16="http://schemas.microsoft.com/office/drawing/2014/main" xmlns="" val="3596519618"/>
+                    <a16:rowId xmlns="" xmlns:a16="http://schemas.microsoft.com/office/drawing/2014/main" val="3596519618"/>
                   </a:ext>
                 </a:extLst>
               </a:tr>
@@ -5711,7 +5711,7 @@
           <p:cNvPr id="2" name="Title 1">
             <a:extLst>
               <a:ext uri="{FF2B5EF4-FFF2-40B4-BE49-F238E27FC236}">
-                <a16:creationId xmlns:a16="http://schemas.microsoft.com/office/drawing/2014/main" xmlns="" id="{3663BC86-6F5C-477F-A16B-C908D10BF748}"/>
+                <a16:creationId xmlns="" xmlns:a16="http://schemas.microsoft.com/office/drawing/2014/main" id="{3663BC86-6F5C-477F-A16B-C908D10BF748}"/>
               </a:ext>
             </a:extLst>
           </p:cNvPr>
@@ -5739,7 +5739,7 @@
           <p:cNvPr id="4" name="Table 4">
             <a:extLst>
               <a:ext uri="{FF2B5EF4-FFF2-40B4-BE49-F238E27FC236}">
-                <a16:creationId xmlns:a16="http://schemas.microsoft.com/office/drawing/2014/main" xmlns="" id="{583D8DDE-785F-4014-8F2A-3208B2EB13DD}"/>
+                <a16:creationId xmlns="" xmlns:a16="http://schemas.microsoft.com/office/drawing/2014/main" id="{583D8DDE-785F-4014-8F2A-3208B2EB13DD}"/>
               </a:ext>
             </a:extLst>
           </p:cNvPr>
@@ -5769,56 +5769,56 @@
                 <a:gridCol w="1314450">
                   <a:extLst>
                     <a:ext uri="{9D8B030D-6E8A-4147-A177-3AD203B41FA5}">
-                      <a16:colId xmlns:a16="http://schemas.microsoft.com/office/drawing/2014/main" xmlns="" val="1616057300"/>
+                      <a16:colId xmlns="" xmlns:a16="http://schemas.microsoft.com/office/drawing/2014/main" val="1616057300"/>
                     </a:ext>
                   </a:extLst>
                 </a:gridCol>
                 <a:gridCol w="1314450">
                   <a:extLst>
                     <a:ext uri="{9D8B030D-6E8A-4147-A177-3AD203B41FA5}">
-                      <a16:colId xmlns:a16="http://schemas.microsoft.com/office/drawing/2014/main" xmlns="" val="1042738825"/>
+                      <a16:colId xmlns="" xmlns:a16="http://schemas.microsoft.com/office/drawing/2014/main" val="1042738825"/>
                     </a:ext>
                   </a:extLst>
                 </a:gridCol>
                 <a:gridCol w="1314450">
                   <a:extLst>
                     <a:ext uri="{9D8B030D-6E8A-4147-A177-3AD203B41FA5}">
-                      <a16:colId xmlns:a16="http://schemas.microsoft.com/office/drawing/2014/main" xmlns="" val="625143435"/>
+                      <a16:colId xmlns="" xmlns:a16="http://schemas.microsoft.com/office/drawing/2014/main" val="625143435"/>
                     </a:ext>
                   </a:extLst>
                 </a:gridCol>
                 <a:gridCol w="1314450">
                   <a:extLst>
                     <a:ext uri="{9D8B030D-6E8A-4147-A177-3AD203B41FA5}">
-                      <a16:colId xmlns:a16="http://schemas.microsoft.com/office/drawing/2014/main" xmlns="" val="45310582"/>
+                      <a16:colId xmlns="" xmlns:a16="http://schemas.microsoft.com/office/drawing/2014/main" val="45310582"/>
                     </a:ext>
                   </a:extLst>
                 </a:gridCol>
                 <a:gridCol w="1314450">
                   <a:extLst>
                     <a:ext uri="{9D8B030D-6E8A-4147-A177-3AD203B41FA5}">
-                      <a16:colId xmlns:a16="http://schemas.microsoft.com/office/drawing/2014/main" xmlns="" val="3468223957"/>
+                      <a16:colId xmlns="" xmlns:a16="http://schemas.microsoft.com/office/drawing/2014/main" val="3468223957"/>
                     </a:ext>
                   </a:extLst>
                 </a:gridCol>
                 <a:gridCol w="1314450">
                   <a:extLst>
                     <a:ext uri="{9D8B030D-6E8A-4147-A177-3AD203B41FA5}">
-                      <a16:colId xmlns:a16="http://schemas.microsoft.com/office/drawing/2014/main" xmlns="" val="1118053664"/>
+                      <a16:colId xmlns="" xmlns:a16="http://schemas.microsoft.com/office/drawing/2014/main" val="1118053664"/>
                     </a:ext>
                   </a:extLst>
                 </a:gridCol>
                 <a:gridCol w="1314450">
                   <a:extLst>
                     <a:ext uri="{9D8B030D-6E8A-4147-A177-3AD203B41FA5}">
-                      <a16:colId xmlns:a16="http://schemas.microsoft.com/office/drawing/2014/main" xmlns="" val="2799167633"/>
+                      <a16:colId xmlns="" xmlns:a16="http://schemas.microsoft.com/office/drawing/2014/main" val="2799167633"/>
                     </a:ext>
                   </a:extLst>
                 </a:gridCol>
                 <a:gridCol w="1314450">
                   <a:extLst>
                     <a:ext uri="{9D8B030D-6E8A-4147-A177-3AD203B41FA5}">
-                      <a16:colId xmlns:a16="http://schemas.microsoft.com/office/drawing/2014/main" xmlns="" val="63792830"/>
+                      <a16:colId xmlns="" xmlns:a16="http://schemas.microsoft.com/office/drawing/2014/main" val="63792830"/>
                     </a:ext>
                   </a:extLst>
                 </a:gridCol>
@@ -5906,7 +5906,7 @@
                 </a:tc>
                 <a:extLst>
                   <a:ext uri="{0D108BD9-81ED-4DB2-BD59-A6C34878D82A}">
-                    <a16:rowId xmlns:a16="http://schemas.microsoft.com/office/drawing/2014/main" xmlns="" val="501632632"/>
+                    <a16:rowId xmlns="" xmlns:a16="http://schemas.microsoft.com/office/drawing/2014/main" val="501632632"/>
                   </a:ext>
                 </a:extLst>
               </a:tr>
@@ -5993,7 +5993,7 @@
                 </a:tc>
                 <a:extLst>
                   <a:ext uri="{0D108BD9-81ED-4DB2-BD59-A6C34878D82A}">
-                    <a16:rowId xmlns:a16="http://schemas.microsoft.com/office/drawing/2014/main" xmlns="" val="852554498"/>
+                    <a16:rowId xmlns="" xmlns:a16="http://schemas.microsoft.com/office/drawing/2014/main" val="852554498"/>
                   </a:ext>
                 </a:extLst>
               </a:tr>
@@ -6036,7 +6036,7 @@
           <p:cNvPr id="2" name="Title 1">
             <a:extLst>
               <a:ext uri="{FF2B5EF4-FFF2-40B4-BE49-F238E27FC236}">
-                <a16:creationId xmlns:a16="http://schemas.microsoft.com/office/drawing/2014/main" xmlns="" id="{3663BC86-6F5C-477F-A16B-C908D10BF748}"/>
+                <a16:creationId xmlns="" xmlns:a16="http://schemas.microsoft.com/office/drawing/2014/main" id="{3663BC86-6F5C-477F-A16B-C908D10BF748}"/>
               </a:ext>
             </a:extLst>
           </p:cNvPr>
@@ -6064,7 +6064,7 @@
           <p:cNvPr id="8" name="Content Placeholder 7">
             <a:extLst>
               <a:ext uri="{FF2B5EF4-FFF2-40B4-BE49-F238E27FC236}">
-                <a16:creationId xmlns:a16="http://schemas.microsoft.com/office/drawing/2014/main" xmlns="" id="{312FF679-D1AE-4D18-82DD-F82526A04E45}"/>
+                <a16:creationId xmlns="" xmlns:a16="http://schemas.microsoft.com/office/drawing/2014/main" id="{312FF679-D1AE-4D18-82DD-F82526A04E45}"/>
               </a:ext>
             </a:extLst>
           </p:cNvPr>
@@ -6119,7 +6119,7 @@
           <p:cNvPr id="2" name="Title 1">
             <a:extLst>
               <a:ext uri="{FF2B5EF4-FFF2-40B4-BE49-F238E27FC236}">
-                <a16:creationId xmlns:a16="http://schemas.microsoft.com/office/drawing/2014/main" xmlns="" id="{8FD44F35-5B88-444A-A5C2-8FA3B8A2AA55}"/>
+                <a16:creationId xmlns="" xmlns:a16="http://schemas.microsoft.com/office/drawing/2014/main" id="{8FD44F35-5B88-444A-A5C2-8FA3B8A2AA55}"/>
               </a:ext>
             </a:extLst>
           </p:cNvPr>
@@ -6147,7 +6147,7 @@
           <p:cNvPr id="3" name="Content Placeholder 2">
             <a:extLst>
               <a:ext uri="{FF2B5EF4-FFF2-40B4-BE49-F238E27FC236}">
-                <a16:creationId xmlns:a16="http://schemas.microsoft.com/office/drawing/2014/main" xmlns="" id="{BEBD3F9C-6D2F-42EA-8162-4B6B5D70FE77}"/>
+                <a16:creationId xmlns="" xmlns:a16="http://schemas.microsoft.com/office/drawing/2014/main" id="{BEBD3F9C-6D2F-42EA-8162-4B6B5D70FE77}"/>
               </a:ext>
             </a:extLst>
           </p:cNvPr>
@@ -6202,7 +6202,7 @@
           <p:cNvPr id="2" name="Title 1">
             <a:extLst>
               <a:ext uri="{FF2B5EF4-FFF2-40B4-BE49-F238E27FC236}">
-                <a16:creationId xmlns:a16="http://schemas.microsoft.com/office/drawing/2014/main" xmlns="" id="{E999FDD3-4111-400B-876C-C686E6A23152}"/>
+                <a16:creationId xmlns="" xmlns:a16="http://schemas.microsoft.com/office/drawing/2014/main" id="{E999FDD3-4111-400B-876C-C686E6A23152}"/>
               </a:ext>
             </a:extLst>
           </p:cNvPr>
@@ -6230,7 +6230,7 @@
           <p:cNvPr id="3" name="Content Placeholder 2">
             <a:extLst>
               <a:ext uri="{FF2B5EF4-FFF2-40B4-BE49-F238E27FC236}">
-                <a16:creationId xmlns:a16="http://schemas.microsoft.com/office/drawing/2014/main" xmlns="" id="{3C7E8D57-A346-4A51-805F-AA7ECF8B1557}"/>
+                <a16:creationId xmlns="" xmlns:a16="http://schemas.microsoft.com/office/drawing/2014/main" id="{3C7E8D57-A346-4A51-805F-AA7ECF8B1557}"/>
               </a:ext>
             </a:extLst>
           </p:cNvPr>
@@ -6293,7 +6293,7 @@
           <p:cNvPr id="5" name="Title 4">
             <a:extLst>
               <a:ext uri="{FF2B5EF4-FFF2-40B4-BE49-F238E27FC236}">
-                <a16:creationId xmlns:a16="http://schemas.microsoft.com/office/drawing/2014/main" xmlns="" id="{397B12C2-0D42-4ECD-BF52-A1AEB3DC4CBB}"/>
+                <a16:creationId xmlns="" xmlns:a16="http://schemas.microsoft.com/office/drawing/2014/main" id="{397B12C2-0D42-4ECD-BF52-A1AEB3DC4CBB}"/>
               </a:ext>
             </a:extLst>
           </p:cNvPr>
